--- a/doc/appendices/Architektur.pptx
+++ b/doc/appendices/Architektur.pptx
@@ -2,7 +2,7 @@
 <file path=ppt/presentation.xml><?xml version="1.0" encoding="utf-8"?>
 <p:presentation xmlns:a="http://schemas.openxmlformats.org/drawingml/2006/main" xmlns:r="http://schemas.openxmlformats.org/officeDocument/2006/relationships" xmlns:p="http://schemas.openxmlformats.org/presentationml/2006/main" saveSubsetFonts="1">
   <p:sldMasterIdLst>
-    <p:sldMasterId id="2147483660" r:id="rId1"/>
+    <p:sldMasterId id="2147483672" r:id="rId1"/>
   </p:sldMasterIdLst>
   <p:sldIdLst>
     <p:sldId id="256" r:id="rId2"/>
@@ -243,7 +243,7 @@
           <a:p>
             <a:fld id="{3DB84558-E95A-42AD-B992-A8FF947CFD58}" type="datetimeFigureOut">
               <a:rPr lang="en-GB" smtClean="0"/>
-              <a:t>24/08/2023</a:t>
+              <a:t>05/10/2023</a:t>
             </a:fld>
             <a:endParaRPr lang="en-GB"/>
           </a:p>
@@ -294,7 +294,7 @@
     </p:spTree>
     <p:extLst>
       <p:ext uri="{BB962C8B-B14F-4D97-AF65-F5344CB8AC3E}">
-        <p14:creationId xmlns:p14="http://schemas.microsoft.com/office/powerpoint/2010/main" val="3535332697"/>
+        <p14:creationId xmlns:p14="http://schemas.microsoft.com/office/powerpoint/2010/main" val="2802363303"/>
       </p:ext>
     </p:extLst>
   </p:cSld>
@@ -413,7 +413,7 @@
           <a:p>
             <a:fld id="{3DB84558-E95A-42AD-B992-A8FF947CFD58}" type="datetimeFigureOut">
               <a:rPr lang="en-GB" smtClean="0"/>
-              <a:t>24/08/2023</a:t>
+              <a:t>05/10/2023</a:t>
             </a:fld>
             <a:endParaRPr lang="en-GB"/>
           </a:p>
@@ -464,7 +464,7 @@
     </p:spTree>
     <p:extLst>
       <p:ext uri="{BB962C8B-B14F-4D97-AF65-F5344CB8AC3E}">
-        <p14:creationId xmlns:p14="http://schemas.microsoft.com/office/powerpoint/2010/main" val="2180887935"/>
+        <p14:creationId xmlns:p14="http://schemas.microsoft.com/office/powerpoint/2010/main" val="897341214"/>
       </p:ext>
     </p:extLst>
   </p:cSld>
@@ -593,7 +593,7 @@
           <a:p>
             <a:fld id="{3DB84558-E95A-42AD-B992-A8FF947CFD58}" type="datetimeFigureOut">
               <a:rPr lang="en-GB" smtClean="0"/>
-              <a:t>24/08/2023</a:t>
+              <a:t>05/10/2023</a:t>
             </a:fld>
             <a:endParaRPr lang="en-GB"/>
           </a:p>
@@ -644,7 +644,7 @@
     </p:spTree>
     <p:extLst>
       <p:ext uri="{BB962C8B-B14F-4D97-AF65-F5344CB8AC3E}">
-        <p14:creationId xmlns:p14="http://schemas.microsoft.com/office/powerpoint/2010/main" val="2432389083"/>
+        <p14:creationId xmlns:p14="http://schemas.microsoft.com/office/powerpoint/2010/main" val="2562178812"/>
       </p:ext>
     </p:extLst>
   </p:cSld>
@@ -763,7 +763,7 @@
           <a:p>
             <a:fld id="{3DB84558-E95A-42AD-B992-A8FF947CFD58}" type="datetimeFigureOut">
               <a:rPr lang="en-GB" smtClean="0"/>
-              <a:t>24/08/2023</a:t>
+              <a:t>05/10/2023</a:t>
             </a:fld>
             <a:endParaRPr lang="en-GB"/>
           </a:p>
@@ -814,7 +814,7 @@
     </p:spTree>
     <p:extLst>
       <p:ext uri="{BB962C8B-B14F-4D97-AF65-F5344CB8AC3E}">
-        <p14:creationId xmlns:p14="http://schemas.microsoft.com/office/powerpoint/2010/main" val="2932013488"/>
+        <p14:creationId xmlns:p14="http://schemas.microsoft.com/office/powerpoint/2010/main" val="3206369341"/>
       </p:ext>
     </p:extLst>
   </p:cSld>
@@ -1009,7 +1009,7 @@
           <a:p>
             <a:fld id="{3DB84558-E95A-42AD-B992-A8FF947CFD58}" type="datetimeFigureOut">
               <a:rPr lang="en-GB" smtClean="0"/>
-              <a:t>24/08/2023</a:t>
+              <a:t>05/10/2023</a:t>
             </a:fld>
             <a:endParaRPr lang="en-GB"/>
           </a:p>
@@ -1060,7 +1060,7 @@
     </p:spTree>
     <p:extLst>
       <p:ext uri="{BB962C8B-B14F-4D97-AF65-F5344CB8AC3E}">
-        <p14:creationId xmlns:p14="http://schemas.microsoft.com/office/powerpoint/2010/main" val="291253796"/>
+        <p14:creationId xmlns:p14="http://schemas.microsoft.com/office/powerpoint/2010/main" val="3500634359"/>
       </p:ext>
     </p:extLst>
   </p:cSld>
@@ -1241,7 +1241,7 @@
           <a:p>
             <a:fld id="{3DB84558-E95A-42AD-B992-A8FF947CFD58}" type="datetimeFigureOut">
               <a:rPr lang="en-GB" smtClean="0"/>
-              <a:t>24/08/2023</a:t>
+              <a:t>05/10/2023</a:t>
             </a:fld>
             <a:endParaRPr lang="en-GB"/>
           </a:p>
@@ -1292,7 +1292,7 @@
     </p:spTree>
     <p:extLst>
       <p:ext uri="{BB962C8B-B14F-4D97-AF65-F5344CB8AC3E}">
-        <p14:creationId xmlns:p14="http://schemas.microsoft.com/office/powerpoint/2010/main" val="782715872"/>
+        <p14:creationId xmlns:p14="http://schemas.microsoft.com/office/powerpoint/2010/main" val="1804636055"/>
       </p:ext>
     </p:extLst>
   </p:cSld>
@@ -1608,7 +1608,7 @@
           <a:p>
             <a:fld id="{3DB84558-E95A-42AD-B992-A8FF947CFD58}" type="datetimeFigureOut">
               <a:rPr lang="en-GB" smtClean="0"/>
-              <a:t>24/08/2023</a:t>
+              <a:t>05/10/2023</a:t>
             </a:fld>
             <a:endParaRPr lang="en-GB"/>
           </a:p>
@@ -1659,7 +1659,7 @@
     </p:spTree>
     <p:extLst>
       <p:ext uri="{BB962C8B-B14F-4D97-AF65-F5344CB8AC3E}">
-        <p14:creationId xmlns:p14="http://schemas.microsoft.com/office/powerpoint/2010/main" val="1662662867"/>
+        <p14:creationId xmlns:p14="http://schemas.microsoft.com/office/powerpoint/2010/main" val="955127688"/>
       </p:ext>
     </p:extLst>
   </p:cSld>
@@ -1726,7 +1726,7 @@
           <a:p>
             <a:fld id="{3DB84558-E95A-42AD-B992-A8FF947CFD58}" type="datetimeFigureOut">
               <a:rPr lang="en-GB" smtClean="0"/>
-              <a:t>24/08/2023</a:t>
+              <a:t>05/10/2023</a:t>
             </a:fld>
             <a:endParaRPr lang="en-GB"/>
           </a:p>
@@ -1777,7 +1777,7 @@
     </p:spTree>
     <p:extLst>
       <p:ext uri="{BB962C8B-B14F-4D97-AF65-F5344CB8AC3E}">
-        <p14:creationId xmlns:p14="http://schemas.microsoft.com/office/powerpoint/2010/main" val="2572315223"/>
+        <p14:creationId xmlns:p14="http://schemas.microsoft.com/office/powerpoint/2010/main" val="492078111"/>
       </p:ext>
     </p:extLst>
   </p:cSld>
@@ -1821,7 +1821,7 @@
           <a:p>
             <a:fld id="{3DB84558-E95A-42AD-B992-A8FF947CFD58}" type="datetimeFigureOut">
               <a:rPr lang="en-GB" smtClean="0"/>
-              <a:t>24/08/2023</a:t>
+              <a:t>05/10/2023</a:t>
             </a:fld>
             <a:endParaRPr lang="en-GB"/>
           </a:p>
@@ -1872,7 +1872,7 @@
     </p:spTree>
     <p:extLst>
       <p:ext uri="{BB962C8B-B14F-4D97-AF65-F5344CB8AC3E}">
-        <p14:creationId xmlns:p14="http://schemas.microsoft.com/office/powerpoint/2010/main" val="508951474"/>
+        <p14:creationId xmlns:p14="http://schemas.microsoft.com/office/powerpoint/2010/main" val="167900888"/>
       </p:ext>
     </p:extLst>
   </p:cSld>
@@ -2098,7 +2098,7 @@
           <a:p>
             <a:fld id="{3DB84558-E95A-42AD-B992-A8FF947CFD58}" type="datetimeFigureOut">
               <a:rPr lang="en-GB" smtClean="0"/>
-              <a:t>24/08/2023</a:t>
+              <a:t>05/10/2023</a:t>
             </a:fld>
             <a:endParaRPr lang="en-GB"/>
           </a:p>
@@ -2149,7 +2149,7 @@
     </p:spTree>
     <p:extLst>
       <p:ext uri="{BB962C8B-B14F-4D97-AF65-F5344CB8AC3E}">
-        <p14:creationId xmlns:p14="http://schemas.microsoft.com/office/powerpoint/2010/main" val="681581462"/>
+        <p14:creationId xmlns:p14="http://schemas.microsoft.com/office/powerpoint/2010/main" val="453255179"/>
       </p:ext>
     </p:extLst>
   </p:cSld>
@@ -2355,7 +2355,7 @@
           <a:p>
             <a:fld id="{3DB84558-E95A-42AD-B992-A8FF947CFD58}" type="datetimeFigureOut">
               <a:rPr lang="en-GB" smtClean="0"/>
-              <a:t>24/08/2023</a:t>
+              <a:t>05/10/2023</a:t>
             </a:fld>
             <a:endParaRPr lang="en-GB"/>
           </a:p>
@@ -2406,7 +2406,7 @@
     </p:spTree>
     <p:extLst>
       <p:ext uri="{BB962C8B-B14F-4D97-AF65-F5344CB8AC3E}">
-        <p14:creationId xmlns:p14="http://schemas.microsoft.com/office/powerpoint/2010/main" val="4020816765"/>
+        <p14:creationId xmlns:p14="http://schemas.microsoft.com/office/powerpoint/2010/main" val="1938406639"/>
       </p:ext>
     </p:extLst>
   </p:cSld>
@@ -2568,7 +2568,7 @@
           <a:p>
             <a:fld id="{3DB84558-E95A-42AD-B992-A8FF947CFD58}" type="datetimeFigureOut">
               <a:rPr lang="en-GB" smtClean="0"/>
-              <a:t>24/08/2023</a:t>
+              <a:t>05/10/2023</a:t>
             </a:fld>
             <a:endParaRPr lang="en-GB"/>
           </a:p>
@@ -2655,23 +2655,23 @@
     </p:spTree>
     <p:extLst>
       <p:ext uri="{BB962C8B-B14F-4D97-AF65-F5344CB8AC3E}">
-        <p14:creationId xmlns:p14="http://schemas.microsoft.com/office/powerpoint/2010/main" val="4169563880"/>
+        <p14:creationId xmlns:p14="http://schemas.microsoft.com/office/powerpoint/2010/main" val="1904061230"/>
       </p:ext>
     </p:extLst>
   </p:cSld>
-  <p:clrMap bg1="dk1" tx1="lt1" bg2="dk2" tx2="lt2" accent1="accent1" accent2="accent2" accent3="accent3" accent4="accent4" accent5="accent5" accent6="accent6" hlink="hlink" folHlink="folHlink"/>
+  <p:clrMap bg1="lt1" tx1="dk1" bg2="lt2" tx2="dk2" accent1="accent1" accent2="accent2" accent3="accent3" accent4="accent4" accent5="accent5" accent6="accent6" hlink="hlink" folHlink="folHlink"/>
   <p:sldLayoutIdLst>
-    <p:sldLayoutId id="2147483661" r:id="rId1"/>
-    <p:sldLayoutId id="2147483662" r:id="rId2"/>
-    <p:sldLayoutId id="2147483663" r:id="rId3"/>
-    <p:sldLayoutId id="2147483664" r:id="rId4"/>
-    <p:sldLayoutId id="2147483665" r:id="rId5"/>
-    <p:sldLayoutId id="2147483666" r:id="rId6"/>
-    <p:sldLayoutId id="2147483667" r:id="rId7"/>
-    <p:sldLayoutId id="2147483668" r:id="rId8"/>
-    <p:sldLayoutId id="2147483669" r:id="rId9"/>
-    <p:sldLayoutId id="2147483670" r:id="rId10"/>
-    <p:sldLayoutId id="2147483671" r:id="rId11"/>
+    <p:sldLayoutId id="2147483673" r:id="rId1"/>
+    <p:sldLayoutId id="2147483674" r:id="rId2"/>
+    <p:sldLayoutId id="2147483675" r:id="rId3"/>
+    <p:sldLayoutId id="2147483676" r:id="rId4"/>
+    <p:sldLayoutId id="2147483677" r:id="rId5"/>
+    <p:sldLayoutId id="2147483678" r:id="rId6"/>
+    <p:sldLayoutId id="2147483679" r:id="rId7"/>
+    <p:sldLayoutId id="2147483680" r:id="rId8"/>
+    <p:sldLayoutId id="2147483681" r:id="rId9"/>
+    <p:sldLayoutId id="2147483682" r:id="rId10"/>
+    <p:sldLayoutId id="2147483683" r:id="rId11"/>
   </p:sldLayoutIdLst>
   <p:txStyles>
     <p:titleStyle>
@@ -3406,19 +3406,7 @@
             <a:pPr algn="ctr"/>
             <a:r>
               <a:rPr lang="en-GB" b="1" dirty="0"/>
-              <a:t>SQLite3 </a:t>
-            </a:r>
-            <a:r>
-              <a:rPr lang="en-GB" dirty="0" err="1"/>
-              <a:t>als</a:t>
-            </a:r>
-            <a:r>
-              <a:rPr lang="en-GB" dirty="0"/>
-              <a:t> </a:t>
-            </a:r>
-            <a:r>
-              <a:rPr lang="en-GB" dirty="0" err="1"/>
-              <a:t>Datenbankmodul</a:t>
+              <a:t>PostgreSQL</a:t>
             </a:r>
             <a:endParaRPr lang="en-GB" dirty="0"/>
           </a:p>
@@ -3443,6 +3431,9 @@
             <a:chOff x="9542489" y="3112954"/>
             <a:chExt cx="1863306" cy="1800406"/>
           </a:xfrm>
+          <a:solidFill>
+            <a:schemeClr val="accent1"/>
+          </a:solidFill>
         </p:grpSpPr>
         <p:pic>
           <p:nvPicPr>
@@ -4309,19 +4300,131 @@
           </p:cNvPr>
           <p:cNvCxnSpPr>
             <a:cxnSpLocks/>
-            <a:stCxn id="16" idx="1"/>
-            <a:endCxn id="7" idx="3"/>
+            <a:endCxn id="4" idx="3"/>
           </p:cNvCxnSpPr>
           <p:nvPr/>
         </p:nvCxnSpPr>
         <p:spPr>
-          <a:xfrm rot="10800000">
-            <a:off x="3308231" y="3116989"/>
-            <a:ext cx="6442969" cy="645167"/>
+          <a:xfrm rot="10800000" flipV="1">
+            <a:off x="7152736" y="3798335"/>
+            <a:ext cx="2800470" cy="727676"/>
           </a:xfrm>
           <a:prstGeom prst="bentConnector3">
             <a:avLst>
-              <a:gd name="adj1" fmla="val 83071"/>
+              <a:gd name="adj1" fmla="val 50000"/>
+            </a:avLst>
+          </a:prstGeom>
+          <a:ln w="57150">
+            <a:solidFill>
+              <a:schemeClr val="tx1"/>
+            </a:solidFill>
+            <a:tailEnd type="triangle"/>
+          </a:ln>
+        </p:spPr>
+        <p:style>
+          <a:lnRef idx="1">
+            <a:schemeClr val="accent1"/>
+          </a:lnRef>
+          <a:fillRef idx="0">
+            <a:schemeClr val="accent1"/>
+          </a:fillRef>
+          <a:effectRef idx="0">
+            <a:schemeClr val="accent1"/>
+          </a:effectRef>
+          <a:fontRef idx="minor">
+            <a:schemeClr val="tx1"/>
+          </a:fontRef>
+        </p:style>
+      </p:cxnSp>
+      <p:sp>
+        <p:nvSpPr>
+          <p:cNvPr id="4" name="Rechteck: abgerundete Ecken 3">
+            <a:extLst>
+              <a:ext uri="{FF2B5EF4-FFF2-40B4-BE49-F238E27FC236}">
+                <a16:creationId xmlns:a16="http://schemas.microsoft.com/office/drawing/2014/main" id="{53C994D9-5E71-AA4D-3AD2-315B75BED683}"/>
+              </a:ext>
+            </a:extLst>
+          </p:cNvPr>
+          <p:cNvSpPr/>
+          <p:nvPr/>
+        </p:nvSpPr>
+        <p:spPr>
+          <a:xfrm>
+            <a:off x="5039264" y="4120569"/>
+            <a:ext cx="2113472" cy="810883"/>
+          </a:xfrm>
+          <a:prstGeom prst="roundRect">
+            <a:avLst/>
+          </a:prstGeom>
+        </p:spPr>
+        <p:style>
+          <a:lnRef idx="2">
+            <a:schemeClr val="accent6">
+              <a:shade val="15000"/>
+            </a:schemeClr>
+          </a:lnRef>
+          <a:fillRef idx="1">
+            <a:schemeClr val="accent6"/>
+          </a:fillRef>
+          <a:effectRef idx="0">
+            <a:schemeClr val="accent6"/>
+          </a:effectRef>
+          <a:fontRef idx="minor">
+            <a:schemeClr val="lt1"/>
+          </a:fontRef>
+        </p:style>
+        <p:txBody>
+          <a:bodyPr rtlCol="0" anchor="ctr"/>
+          <a:lstStyle/>
+          <a:p>
+            <a:pPr algn="ctr"/>
+            <a:r>
+              <a:rPr lang="en-GB" dirty="0" err="1"/>
+              <a:t>Graphen</a:t>
+            </a:r>
+            <a:r>
+              <a:rPr lang="en-GB" dirty="0"/>
+              <a:t> </a:t>
+            </a:r>
+            <a:r>
+              <a:rPr lang="en-GB" dirty="0" err="1"/>
+              <a:t>mit</a:t>
+            </a:r>
+            <a:r>
+              <a:rPr lang="en-GB" dirty="0"/>
+              <a:t> </a:t>
+            </a:r>
+            <a:r>
+              <a:rPr lang="en-GB" b="1" dirty="0" err="1"/>
+              <a:t>Graphana</a:t>
+            </a:r>
+            <a:endParaRPr lang="en-GB" b="1" dirty="0"/>
+          </a:p>
+        </p:txBody>
+      </p:sp>
+      <p:cxnSp>
+        <p:nvCxnSpPr>
+          <p:cNvPr id="31" name="Verbinder: gewinkelt 30">
+            <a:extLst>
+              <a:ext uri="{FF2B5EF4-FFF2-40B4-BE49-F238E27FC236}">
+                <a16:creationId xmlns:a16="http://schemas.microsoft.com/office/drawing/2014/main" id="{7A4D2D00-1DB9-A918-82A2-7C33A71159A1}"/>
+              </a:ext>
+            </a:extLst>
+          </p:cNvPr>
+          <p:cNvCxnSpPr>
+            <a:cxnSpLocks/>
+            <a:stCxn id="4" idx="1"/>
+          </p:cNvCxnSpPr>
+          <p:nvPr/>
+        </p:nvCxnSpPr>
+        <p:spPr>
+          <a:xfrm rot="10800000">
+            <a:off x="3315842" y="3129689"/>
+            <a:ext cx="1723423" cy="1396322"/>
+          </a:xfrm>
+          <a:prstGeom prst="bentConnector3">
+            <a:avLst>
+              <a:gd name="adj1" fmla="val 50000"/>
             </a:avLst>
           </a:prstGeom>
           <a:ln w="57150">
@@ -4614,7 +4717,7 @@
   <a:extraClrSchemeLst/>
   <a:extLst>
     <a:ext uri="{05A4C25C-085E-4340-85A3-A5531E510DB2}">
-      <thm15:themeFamily xmlns:thm15="http://schemas.microsoft.com/office/thememl/2012/main" name="Office Theme 2013 - 2022" id="{62F939B6-93AF-4DB8-9C6B-D6C7DFDC589F}" vid="{4F46216B-77A9-411A-B9D3-5023FCB70208}"/>
+      <thm15:themeFamily xmlns:thm15="http://schemas.microsoft.com/office/thememl/2012/main" name="Office 2013 - 2022 Theme" id="{62F939B6-93AF-4DB8-9C6B-D6C7DFDC589F}" vid="{4A3C46E8-61CC-4603-A589-7422A47A8E4A}"/>
     </a:ext>
   </a:extLst>
 </a:theme>

--- a/doc/appendices/Architektur.pptx
+++ b/doc/appendices/Architektur.pptx
@@ -2,7 +2,7 @@
 <file path=ppt/presentation.xml><?xml version="1.0" encoding="utf-8"?>
 <p:presentation xmlns:a="http://schemas.openxmlformats.org/drawingml/2006/main" xmlns:r="http://schemas.openxmlformats.org/officeDocument/2006/relationships" xmlns:p="http://schemas.openxmlformats.org/presentationml/2006/main" saveSubsetFonts="1">
   <p:sldMasterIdLst>
-    <p:sldMasterId id="2147483672" r:id="rId1"/>
+    <p:sldMasterId id="2147483648" r:id="rId1"/>
   </p:sldMasterIdLst>
   <p:sldIdLst>
     <p:sldId id="256" r:id="rId2"/>
@@ -11,9 +11,9 @@
   <p:notesSz cx="6858000" cy="9144000"/>
   <p:defaultTextStyle>
     <a:defPPr>
-      <a:defRPr lang="en-US"/>
+      <a:defRPr lang="de-DE"/>
     </a:defPPr>
-    <a:lvl1pPr marL="0" algn="l" defTabSz="457200" rtl="0" eaLnBrk="1" latinLnBrk="0" hangingPunct="1">
+    <a:lvl1pPr marL="0" algn="l" defTabSz="914400" rtl="0" eaLnBrk="1" latinLnBrk="0" hangingPunct="1">
       <a:defRPr sz="1800" kern="1200">
         <a:solidFill>
           <a:schemeClr val="tx1"/>
@@ -23,7 +23,7 @@
         <a:cs typeface="+mn-cs"/>
       </a:defRPr>
     </a:lvl1pPr>
-    <a:lvl2pPr marL="457200" algn="l" defTabSz="457200" rtl="0" eaLnBrk="1" latinLnBrk="0" hangingPunct="1">
+    <a:lvl2pPr marL="457200" algn="l" defTabSz="914400" rtl="0" eaLnBrk="1" latinLnBrk="0" hangingPunct="1">
       <a:defRPr sz="1800" kern="1200">
         <a:solidFill>
           <a:schemeClr val="tx1"/>
@@ -33,7 +33,7 @@
         <a:cs typeface="+mn-cs"/>
       </a:defRPr>
     </a:lvl2pPr>
-    <a:lvl3pPr marL="914400" algn="l" defTabSz="457200" rtl="0" eaLnBrk="1" latinLnBrk="0" hangingPunct="1">
+    <a:lvl3pPr marL="914400" algn="l" defTabSz="914400" rtl="0" eaLnBrk="1" latinLnBrk="0" hangingPunct="1">
       <a:defRPr sz="1800" kern="1200">
         <a:solidFill>
           <a:schemeClr val="tx1"/>
@@ -43,7 +43,7 @@
         <a:cs typeface="+mn-cs"/>
       </a:defRPr>
     </a:lvl3pPr>
-    <a:lvl4pPr marL="1371600" algn="l" defTabSz="457200" rtl="0" eaLnBrk="1" latinLnBrk="0" hangingPunct="1">
+    <a:lvl4pPr marL="1371600" algn="l" defTabSz="914400" rtl="0" eaLnBrk="1" latinLnBrk="0" hangingPunct="1">
       <a:defRPr sz="1800" kern="1200">
         <a:solidFill>
           <a:schemeClr val="tx1"/>
@@ -53,7 +53,7 @@
         <a:cs typeface="+mn-cs"/>
       </a:defRPr>
     </a:lvl4pPr>
-    <a:lvl5pPr marL="1828800" algn="l" defTabSz="457200" rtl="0" eaLnBrk="1" latinLnBrk="0" hangingPunct="1">
+    <a:lvl5pPr marL="1828800" algn="l" defTabSz="914400" rtl="0" eaLnBrk="1" latinLnBrk="0" hangingPunct="1">
       <a:defRPr sz="1800" kern="1200">
         <a:solidFill>
           <a:schemeClr val="tx1"/>
@@ -63,7 +63,7 @@
         <a:cs typeface="+mn-cs"/>
       </a:defRPr>
     </a:lvl5pPr>
-    <a:lvl6pPr marL="2286000" algn="l" defTabSz="457200" rtl="0" eaLnBrk="1" latinLnBrk="0" hangingPunct="1">
+    <a:lvl6pPr marL="2286000" algn="l" defTabSz="914400" rtl="0" eaLnBrk="1" latinLnBrk="0" hangingPunct="1">
       <a:defRPr sz="1800" kern="1200">
         <a:solidFill>
           <a:schemeClr val="tx1"/>
@@ -73,7 +73,7 @@
         <a:cs typeface="+mn-cs"/>
       </a:defRPr>
     </a:lvl6pPr>
-    <a:lvl7pPr marL="2743200" algn="l" defTabSz="457200" rtl="0" eaLnBrk="1" latinLnBrk="0" hangingPunct="1">
+    <a:lvl7pPr marL="2743200" algn="l" defTabSz="914400" rtl="0" eaLnBrk="1" latinLnBrk="0" hangingPunct="1">
       <a:defRPr sz="1800" kern="1200">
         <a:solidFill>
           <a:schemeClr val="tx1"/>
@@ -83,7 +83,7 @@
         <a:cs typeface="+mn-cs"/>
       </a:defRPr>
     </a:lvl7pPr>
-    <a:lvl8pPr marL="3200400" algn="l" defTabSz="457200" rtl="0" eaLnBrk="1" latinLnBrk="0" hangingPunct="1">
+    <a:lvl8pPr marL="3200400" algn="l" defTabSz="914400" rtl="0" eaLnBrk="1" latinLnBrk="0" hangingPunct="1">
       <a:defRPr sz="1800" kern="1200">
         <a:solidFill>
           <a:schemeClr val="tx1"/>
@@ -93,7 +93,7 @@
         <a:cs typeface="+mn-cs"/>
       </a:defRPr>
     </a:lvl8pPr>
-    <a:lvl9pPr marL="3657600" algn="l" defTabSz="457200" rtl="0" eaLnBrk="1" latinLnBrk="0" hangingPunct="1">
+    <a:lvl9pPr marL="3657600" algn="l" defTabSz="914400" rtl="0" eaLnBrk="1" latinLnBrk="0" hangingPunct="1">
       <a:defRPr sz="1800" kern="1200">
         <a:solidFill>
           <a:schemeClr val="tx1"/>
@@ -104,11 +104,6 @@
       </a:defRPr>
     </a:lvl9pPr>
   </p:defaultTextStyle>
-  <p:extLst>
-    <p:ext uri="{EFAFB233-063F-42B5-8137-9DF3F51BA10A}">
-      <p15:sldGuideLst xmlns:p15="http://schemas.microsoft.com/office/powerpoint/2012/main"/>
-    </p:ext>
-  </p:extLst>
 </p:presentation>
 </file>
 
@@ -131,7 +126,13 @@
       </p:grpSpPr>
       <p:sp>
         <p:nvSpPr>
-          <p:cNvPr id="2" name="Title 1"/>
+          <p:cNvPr id="2" name="Titel 1">
+            <a:extLst>
+              <a:ext uri="{FF2B5EF4-FFF2-40B4-BE49-F238E27FC236}">
+                <a16:creationId xmlns:a16="http://schemas.microsoft.com/office/drawing/2014/main" id="{0CCDBE66-904F-307A-B4CF-2C370D47007B}"/>
+              </a:ext>
+            </a:extLst>
+          </p:cNvPr>
           <p:cNvSpPr>
             <a:spLocks noGrp="1"/>
           </p:cNvSpPr>
@@ -157,13 +158,18 @@
               <a:rPr lang="de-DE"/>
               <a:t>Mastertitelformat bearbeiten</a:t>
             </a:r>
-            <a:endParaRPr lang="en-US" dirty="0"/>
-          </a:p>
-        </p:txBody>
-      </p:sp>
-      <p:sp>
-        <p:nvSpPr>
-          <p:cNvPr id="3" name="Subtitle 2"/>
+          </a:p>
+        </p:txBody>
+      </p:sp>
+      <p:sp>
+        <p:nvSpPr>
+          <p:cNvPr id="3" name="Untertitel 2">
+            <a:extLst>
+              <a:ext uri="{FF2B5EF4-FFF2-40B4-BE49-F238E27FC236}">
+                <a16:creationId xmlns:a16="http://schemas.microsoft.com/office/drawing/2014/main" id="{DC4AC357-77AE-4F9E-AE3C-2D9FA270D1F6}"/>
+              </a:ext>
+            </a:extLst>
+          </p:cNvPr>
           <p:cNvSpPr>
             <a:spLocks noGrp="1"/>
           </p:cNvSpPr>
@@ -222,13 +228,18 @@
               <a:rPr lang="de-DE"/>
               <a:t>Master-Untertitelformat bearbeiten</a:t>
             </a:r>
-            <a:endParaRPr lang="en-US" dirty="0"/>
-          </a:p>
-        </p:txBody>
-      </p:sp>
-      <p:sp>
-        <p:nvSpPr>
-          <p:cNvPr id="4" name="Date Placeholder 3"/>
+          </a:p>
+        </p:txBody>
+      </p:sp>
+      <p:sp>
+        <p:nvSpPr>
+          <p:cNvPr id="4" name="Datumsplatzhalter 3">
+            <a:extLst>
+              <a:ext uri="{FF2B5EF4-FFF2-40B4-BE49-F238E27FC236}">
+                <a16:creationId xmlns:a16="http://schemas.microsoft.com/office/drawing/2014/main" id="{C3A5737F-573F-7B24-8718-757A9FAA6C75}"/>
+              </a:ext>
+            </a:extLst>
+          </p:cNvPr>
           <p:cNvSpPr>
             <a:spLocks noGrp="1"/>
           </p:cNvSpPr>
@@ -241,17 +252,23 @@
           <a:bodyPr/>
           <a:lstStyle/>
           <a:p>
-            <a:fld id="{3DB84558-E95A-42AD-B992-A8FF947CFD58}" type="datetimeFigureOut">
-              <a:rPr lang="en-GB" smtClean="0"/>
-              <a:t>05/10/2023</a:t>
+            <a:fld id="{B9326035-F2D2-4E73-BE71-86D63BFDCB94}" type="datetimeFigureOut">
+              <a:rPr lang="de-DE" smtClean="0"/>
+              <a:t>27.10.2023</a:t>
             </a:fld>
-            <a:endParaRPr lang="en-GB"/>
-          </a:p>
-        </p:txBody>
-      </p:sp>
-      <p:sp>
-        <p:nvSpPr>
-          <p:cNvPr id="5" name="Footer Placeholder 4"/>
+            <a:endParaRPr lang="de-DE"/>
+          </a:p>
+        </p:txBody>
+      </p:sp>
+      <p:sp>
+        <p:nvSpPr>
+          <p:cNvPr id="5" name="Fußzeilenplatzhalter 4">
+            <a:extLst>
+              <a:ext uri="{FF2B5EF4-FFF2-40B4-BE49-F238E27FC236}">
+                <a16:creationId xmlns:a16="http://schemas.microsoft.com/office/drawing/2014/main" id="{0D24F893-904D-E052-A9B1-538CCCBCC76D}"/>
+              </a:ext>
+            </a:extLst>
+          </p:cNvPr>
           <p:cNvSpPr>
             <a:spLocks noGrp="1"/>
           </p:cNvSpPr>
@@ -264,13 +281,19 @@
           <a:bodyPr/>
           <a:lstStyle/>
           <a:p>
-            <a:endParaRPr lang="en-GB"/>
-          </a:p>
-        </p:txBody>
-      </p:sp>
-      <p:sp>
-        <p:nvSpPr>
-          <p:cNvPr id="6" name="Slide Number Placeholder 5"/>
+            <a:endParaRPr lang="de-DE"/>
+          </a:p>
+        </p:txBody>
+      </p:sp>
+      <p:sp>
+        <p:nvSpPr>
+          <p:cNvPr id="6" name="Foliennummernplatzhalter 5">
+            <a:extLst>
+              <a:ext uri="{FF2B5EF4-FFF2-40B4-BE49-F238E27FC236}">
+                <a16:creationId xmlns:a16="http://schemas.microsoft.com/office/drawing/2014/main" id="{E13FFD55-D2E0-7389-F6CB-5C0F763C4446}"/>
+              </a:ext>
+            </a:extLst>
+          </p:cNvPr>
           <p:cNvSpPr>
             <a:spLocks noGrp="1"/>
           </p:cNvSpPr>
@@ -283,18 +306,18 @@
           <a:bodyPr/>
           <a:lstStyle/>
           <a:p>
-            <a:fld id="{3117605C-A9B5-4EAF-9E1A-6E45420DF41D}" type="slidenum">
-              <a:rPr lang="en-GB" smtClean="0"/>
+            <a:fld id="{65A299E7-3FA6-453B-9430-312A0B91EC8E}" type="slidenum">
+              <a:rPr lang="de-DE" smtClean="0"/>
               <a:t>‹Nr.›</a:t>
             </a:fld>
-            <a:endParaRPr lang="en-GB"/>
+            <a:endParaRPr lang="de-DE"/>
           </a:p>
         </p:txBody>
       </p:sp>
     </p:spTree>
     <p:extLst>
       <p:ext uri="{BB962C8B-B14F-4D97-AF65-F5344CB8AC3E}">
-        <p14:creationId xmlns:p14="http://schemas.microsoft.com/office/powerpoint/2010/main" val="2802363303"/>
+        <p14:creationId xmlns:p14="http://schemas.microsoft.com/office/powerpoint/2010/main" val="2627850945"/>
       </p:ext>
     </p:extLst>
   </p:cSld>
@@ -323,7 +346,13 @@
       </p:grpSpPr>
       <p:sp>
         <p:nvSpPr>
-          <p:cNvPr id="2" name="Title 1"/>
+          <p:cNvPr id="2" name="Titel 1">
+            <a:extLst>
+              <a:ext uri="{FF2B5EF4-FFF2-40B4-BE49-F238E27FC236}">
+                <a16:creationId xmlns:a16="http://schemas.microsoft.com/office/drawing/2014/main" id="{98F1B595-9853-A3F7-1E5C-C7FE832DF9FE}"/>
+              </a:ext>
+            </a:extLst>
+          </p:cNvPr>
           <p:cNvSpPr>
             <a:spLocks noGrp="1"/>
           </p:cNvSpPr>
@@ -340,13 +369,18 @@
               <a:rPr lang="de-DE"/>
               <a:t>Mastertitelformat bearbeiten</a:t>
             </a:r>
-            <a:endParaRPr lang="en-US" dirty="0"/>
-          </a:p>
-        </p:txBody>
-      </p:sp>
-      <p:sp>
-        <p:nvSpPr>
-          <p:cNvPr id="3" name="Vertical Text Placeholder 2"/>
+          </a:p>
+        </p:txBody>
+      </p:sp>
+      <p:sp>
+        <p:nvSpPr>
+          <p:cNvPr id="3" name="Vertikaler Textplatzhalter 2">
+            <a:extLst>
+              <a:ext uri="{FF2B5EF4-FFF2-40B4-BE49-F238E27FC236}">
+                <a16:creationId xmlns:a16="http://schemas.microsoft.com/office/drawing/2014/main" id="{31BD5B9D-3F29-20CE-4625-C5304EB38D38}"/>
+              </a:ext>
+            </a:extLst>
+          </p:cNvPr>
           <p:cNvSpPr>
             <a:spLocks noGrp="1"/>
           </p:cNvSpPr>
@@ -392,13 +426,18 @@
               <a:rPr lang="de-DE"/>
               <a:t>Fünfte Ebene</a:t>
             </a:r>
-            <a:endParaRPr lang="en-US" dirty="0"/>
-          </a:p>
-        </p:txBody>
-      </p:sp>
-      <p:sp>
-        <p:nvSpPr>
-          <p:cNvPr id="4" name="Date Placeholder 3"/>
+          </a:p>
+        </p:txBody>
+      </p:sp>
+      <p:sp>
+        <p:nvSpPr>
+          <p:cNvPr id="4" name="Datumsplatzhalter 3">
+            <a:extLst>
+              <a:ext uri="{FF2B5EF4-FFF2-40B4-BE49-F238E27FC236}">
+                <a16:creationId xmlns:a16="http://schemas.microsoft.com/office/drawing/2014/main" id="{5B54CF63-D521-B42C-C6F4-572930DA19DA}"/>
+              </a:ext>
+            </a:extLst>
+          </p:cNvPr>
           <p:cNvSpPr>
             <a:spLocks noGrp="1"/>
           </p:cNvSpPr>
@@ -411,17 +450,23 @@
           <a:bodyPr/>
           <a:lstStyle/>
           <a:p>
-            <a:fld id="{3DB84558-E95A-42AD-B992-A8FF947CFD58}" type="datetimeFigureOut">
-              <a:rPr lang="en-GB" smtClean="0"/>
-              <a:t>05/10/2023</a:t>
+            <a:fld id="{B9326035-F2D2-4E73-BE71-86D63BFDCB94}" type="datetimeFigureOut">
+              <a:rPr lang="de-DE" smtClean="0"/>
+              <a:t>27.10.2023</a:t>
             </a:fld>
-            <a:endParaRPr lang="en-GB"/>
-          </a:p>
-        </p:txBody>
-      </p:sp>
-      <p:sp>
-        <p:nvSpPr>
-          <p:cNvPr id="5" name="Footer Placeholder 4"/>
+            <a:endParaRPr lang="de-DE"/>
+          </a:p>
+        </p:txBody>
+      </p:sp>
+      <p:sp>
+        <p:nvSpPr>
+          <p:cNvPr id="5" name="Fußzeilenplatzhalter 4">
+            <a:extLst>
+              <a:ext uri="{FF2B5EF4-FFF2-40B4-BE49-F238E27FC236}">
+                <a16:creationId xmlns:a16="http://schemas.microsoft.com/office/drawing/2014/main" id="{8D5D402C-2D2A-2677-0372-F049DF5E0D1D}"/>
+              </a:ext>
+            </a:extLst>
+          </p:cNvPr>
           <p:cNvSpPr>
             <a:spLocks noGrp="1"/>
           </p:cNvSpPr>
@@ -434,13 +479,19 @@
           <a:bodyPr/>
           <a:lstStyle/>
           <a:p>
-            <a:endParaRPr lang="en-GB"/>
-          </a:p>
-        </p:txBody>
-      </p:sp>
-      <p:sp>
-        <p:nvSpPr>
-          <p:cNvPr id="6" name="Slide Number Placeholder 5"/>
+            <a:endParaRPr lang="de-DE"/>
+          </a:p>
+        </p:txBody>
+      </p:sp>
+      <p:sp>
+        <p:nvSpPr>
+          <p:cNvPr id="6" name="Foliennummernplatzhalter 5">
+            <a:extLst>
+              <a:ext uri="{FF2B5EF4-FFF2-40B4-BE49-F238E27FC236}">
+                <a16:creationId xmlns:a16="http://schemas.microsoft.com/office/drawing/2014/main" id="{4CB98985-E71A-361B-637C-6466C020A038}"/>
+              </a:ext>
+            </a:extLst>
+          </p:cNvPr>
           <p:cNvSpPr>
             <a:spLocks noGrp="1"/>
           </p:cNvSpPr>
@@ -453,18 +504,18 @@
           <a:bodyPr/>
           <a:lstStyle/>
           <a:p>
-            <a:fld id="{3117605C-A9B5-4EAF-9E1A-6E45420DF41D}" type="slidenum">
-              <a:rPr lang="en-GB" smtClean="0"/>
+            <a:fld id="{65A299E7-3FA6-453B-9430-312A0B91EC8E}" type="slidenum">
+              <a:rPr lang="de-DE" smtClean="0"/>
               <a:t>‹Nr.›</a:t>
             </a:fld>
-            <a:endParaRPr lang="en-GB"/>
+            <a:endParaRPr lang="de-DE"/>
           </a:p>
         </p:txBody>
       </p:sp>
     </p:spTree>
     <p:extLst>
       <p:ext uri="{BB962C8B-B14F-4D97-AF65-F5344CB8AC3E}">
-        <p14:creationId xmlns:p14="http://schemas.microsoft.com/office/powerpoint/2010/main" val="897341214"/>
+        <p14:creationId xmlns:p14="http://schemas.microsoft.com/office/powerpoint/2010/main" val="3171780568"/>
       </p:ext>
     </p:extLst>
   </p:cSld>
@@ -493,7 +544,13 @@
       </p:grpSpPr>
       <p:sp>
         <p:nvSpPr>
-          <p:cNvPr id="2" name="Vertical Title 1"/>
+          <p:cNvPr id="2" name="Vertikaler Titel 1">
+            <a:extLst>
+              <a:ext uri="{FF2B5EF4-FFF2-40B4-BE49-F238E27FC236}">
+                <a16:creationId xmlns:a16="http://schemas.microsoft.com/office/drawing/2014/main" id="{D7C31482-BF13-E9D9-DFFF-878B26DBA236}"/>
+              </a:ext>
+            </a:extLst>
+          </p:cNvPr>
           <p:cNvSpPr>
             <a:spLocks noGrp="1"/>
           </p:cNvSpPr>
@@ -515,13 +572,18 @@
               <a:rPr lang="de-DE"/>
               <a:t>Mastertitelformat bearbeiten</a:t>
             </a:r>
-            <a:endParaRPr lang="en-US" dirty="0"/>
-          </a:p>
-        </p:txBody>
-      </p:sp>
-      <p:sp>
-        <p:nvSpPr>
-          <p:cNvPr id="3" name="Vertical Text Placeholder 2"/>
+          </a:p>
+        </p:txBody>
+      </p:sp>
+      <p:sp>
+        <p:nvSpPr>
+          <p:cNvPr id="3" name="Vertikaler Textplatzhalter 2">
+            <a:extLst>
+              <a:ext uri="{FF2B5EF4-FFF2-40B4-BE49-F238E27FC236}">
+                <a16:creationId xmlns:a16="http://schemas.microsoft.com/office/drawing/2014/main" id="{D7ABA80E-2034-9E56-0175-09FB36D70186}"/>
+              </a:ext>
+            </a:extLst>
+          </p:cNvPr>
           <p:cNvSpPr>
             <a:spLocks noGrp="1"/>
           </p:cNvSpPr>
@@ -572,13 +634,18 @@
               <a:rPr lang="de-DE"/>
               <a:t>Fünfte Ebene</a:t>
             </a:r>
-            <a:endParaRPr lang="en-US" dirty="0"/>
-          </a:p>
-        </p:txBody>
-      </p:sp>
-      <p:sp>
-        <p:nvSpPr>
-          <p:cNvPr id="4" name="Date Placeholder 3"/>
+          </a:p>
+        </p:txBody>
+      </p:sp>
+      <p:sp>
+        <p:nvSpPr>
+          <p:cNvPr id="4" name="Datumsplatzhalter 3">
+            <a:extLst>
+              <a:ext uri="{FF2B5EF4-FFF2-40B4-BE49-F238E27FC236}">
+                <a16:creationId xmlns:a16="http://schemas.microsoft.com/office/drawing/2014/main" id="{6B93DF7F-C187-FAC5-3E99-ED6CB1C55E1C}"/>
+              </a:ext>
+            </a:extLst>
+          </p:cNvPr>
           <p:cNvSpPr>
             <a:spLocks noGrp="1"/>
           </p:cNvSpPr>
@@ -591,17 +658,23 @@
           <a:bodyPr/>
           <a:lstStyle/>
           <a:p>
-            <a:fld id="{3DB84558-E95A-42AD-B992-A8FF947CFD58}" type="datetimeFigureOut">
-              <a:rPr lang="en-GB" smtClean="0"/>
-              <a:t>05/10/2023</a:t>
+            <a:fld id="{B9326035-F2D2-4E73-BE71-86D63BFDCB94}" type="datetimeFigureOut">
+              <a:rPr lang="de-DE" smtClean="0"/>
+              <a:t>27.10.2023</a:t>
             </a:fld>
-            <a:endParaRPr lang="en-GB"/>
-          </a:p>
-        </p:txBody>
-      </p:sp>
-      <p:sp>
-        <p:nvSpPr>
-          <p:cNvPr id="5" name="Footer Placeholder 4"/>
+            <a:endParaRPr lang="de-DE"/>
+          </a:p>
+        </p:txBody>
+      </p:sp>
+      <p:sp>
+        <p:nvSpPr>
+          <p:cNvPr id="5" name="Fußzeilenplatzhalter 4">
+            <a:extLst>
+              <a:ext uri="{FF2B5EF4-FFF2-40B4-BE49-F238E27FC236}">
+                <a16:creationId xmlns:a16="http://schemas.microsoft.com/office/drawing/2014/main" id="{1D61075D-8A75-4ACB-EE84-AE97CE387A85}"/>
+              </a:ext>
+            </a:extLst>
+          </p:cNvPr>
           <p:cNvSpPr>
             <a:spLocks noGrp="1"/>
           </p:cNvSpPr>
@@ -614,13 +687,19 @@
           <a:bodyPr/>
           <a:lstStyle/>
           <a:p>
-            <a:endParaRPr lang="en-GB"/>
-          </a:p>
-        </p:txBody>
-      </p:sp>
-      <p:sp>
-        <p:nvSpPr>
-          <p:cNvPr id="6" name="Slide Number Placeholder 5"/>
+            <a:endParaRPr lang="de-DE"/>
+          </a:p>
+        </p:txBody>
+      </p:sp>
+      <p:sp>
+        <p:nvSpPr>
+          <p:cNvPr id="6" name="Foliennummernplatzhalter 5">
+            <a:extLst>
+              <a:ext uri="{FF2B5EF4-FFF2-40B4-BE49-F238E27FC236}">
+                <a16:creationId xmlns:a16="http://schemas.microsoft.com/office/drawing/2014/main" id="{D7EF0366-EF2C-AD85-63A8-EB1456669B37}"/>
+              </a:ext>
+            </a:extLst>
+          </p:cNvPr>
           <p:cNvSpPr>
             <a:spLocks noGrp="1"/>
           </p:cNvSpPr>
@@ -633,18 +712,18 @@
           <a:bodyPr/>
           <a:lstStyle/>
           <a:p>
-            <a:fld id="{3117605C-A9B5-4EAF-9E1A-6E45420DF41D}" type="slidenum">
-              <a:rPr lang="en-GB" smtClean="0"/>
+            <a:fld id="{65A299E7-3FA6-453B-9430-312A0B91EC8E}" type="slidenum">
+              <a:rPr lang="de-DE" smtClean="0"/>
               <a:t>‹Nr.›</a:t>
             </a:fld>
-            <a:endParaRPr lang="en-GB"/>
+            <a:endParaRPr lang="de-DE"/>
           </a:p>
         </p:txBody>
       </p:sp>
     </p:spTree>
     <p:extLst>
       <p:ext uri="{BB962C8B-B14F-4D97-AF65-F5344CB8AC3E}">
-        <p14:creationId xmlns:p14="http://schemas.microsoft.com/office/powerpoint/2010/main" val="2562178812"/>
+        <p14:creationId xmlns:p14="http://schemas.microsoft.com/office/powerpoint/2010/main" val="3708862016"/>
       </p:ext>
     </p:extLst>
   </p:cSld>
@@ -673,7 +752,13 @@
       </p:grpSpPr>
       <p:sp>
         <p:nvSpPr>
-          <p:cNvPr id="2" name="Title 1"/>
+          <p:cNvPr id="2" name="Titel 1">
+            <a:extLst>
+              <a:ext uri="{FF2B5EF4-FFF2-40B4-BE49-F238E27FC236}">
+                <a16:creationId xmlns:a16="http://schemas.microsoft.com/office/drawing/2014/main" id="{EB784ADF-563A-896B-C3E0-A0697EF4BC21}"/>
+              </a:ext>
+            </a:extLst>
+          </p:cNvPr>
           <p:cNvSpPr>
             <a:spLocks noGrp="1"/>
           </p:cNvSpPr>
@@ -690,13 +775,18 @@
               <a:rPr lang="de-DE"/>
               <a:t>Mastertitelformat bearbeiten</a:t>
             </a:r>
-            <a:endParaRPr lang="en-US" dirty="0"/>
-          </a:p>
-        </p:txBody>
-      </p:sp>
-      <p:sp>
-        <p:nvSpPr>
-          <p:cNvPr id="3" name="Content Placeholder 2"/>
+          </a:p>
+        </p:txBody>
+      </p:sp>
+      <p:sp>
+        <p:nvSpPr>
+          <p:cNvPr id="3" name="Inhaltsplatzhalter 2">
+            <a:extLst>
+              <a:ext uri="{FF2B5EF4-FFF2-40B4-BE49-F238E27FC236}">
+                <a16:creationId xmlns:a16="http://schemas.microsoft.com/office/drawing/2014/main" id="{FCB5184D-957A-7144-AFD5-BE71FDCB0409}"/>
+              </a:ext>
+            </a:extLst>
+          </p:cNvPr>
           <p:cNvSpPr>
             <a:spLocks noGrp="1"/>
           </p:cNvSpPr>
@@ -742,13 +832,18 @@
               <a:rPr lang="de-DE"/>
               <a:t>Fünfte Ebene</a:t>
             </a:r>
-            <a:endParaRPr lang="en-US" dirty="0"/>
-          </a:p>
-        </p:txBody>
-      </p:sp>
-      <p:sp>
-        <p:nvSpPr>
-          <p:cNvPr id="4" name="Date Placeholder 3"/>
+          </a:p>
+        </p:txBody>
+      </p:sp>
+      <p:sp>
+        <p:nvSpPr>
+          <p:cNvPr id="4" name="Datumsplatzhalter 3">
+            <a:extLst>
+              <a:ext uri="{FF2B5EF4-FFF2-40B4-BE49-F238E27FC236}">
+                <a16:creationId xmlns:a16="http://schemas.microsoft.com/office/drawing/2014/main" id="{F1FF0641-28F8-A1DC-F5AB-F530A148B755}"/>
+              </a:ext>
+            </a:extLst>
+          </p:cNvPr>
           <p:cNvSpPr>
             <a:spLocks noGrp="1"/>
           </p:cNvSpPr>
@@ -761,17 +856,23 @@
           <a:bodyPr/>
           <a:lstStyle/>
           <a:p>
-            <a:fld id="{3DB84558-E95A-42AD-B992-A8FF947CFD58}" type="datetimeFigureOut">
-              <a:rPr lang="en-GB" smtClean="0"/>
-              <a:t>05/10/2023</a:t>
+            <a:fld id="{B9326035-F2D2-4E73-BE71-86D63BFDCB94}" type="datetimeFigureOut">
+              <a:rPr lang="de-DE" smtClean="0"/>
+              <a:t>27.10.2023</a:t>
             </a:fld>
-            <a:endParaRPr lang="en-GB"/>
-          </a:p>
-        </p:txBody>
-      </p:sp>
-      <p:sp>
-        <p:nvSpPr>
-          <p:cNvPr id="5" name="Footer Placeholder 4"/>
+            <a:endParaRPr lang="de-DE"/>
+          </a:p>
+        </p:txBody>
+      </p:sp>
+      <p:sp>
+        <p:nvSpPr>
+          <p:cNvPr id="5" name="Fußzeilenplatzhalter 4">
+            <a:extLst>
+              <a:ext uri="{FF2B5EF4-FFF2-40B4-BE49-F238E27FC236}">
+                <a16:creationId xmlns:a16="http://schemas.microsoft.com/office/drawing/2014/main" id="{703F3FBF-152C-EC2E-AC53-5556803D3423}"/>
+              </a:ext>
+            </a:extLst>
+          </p:cNvPr>
           <p:cNvSpPr>
             <a:spLocks noGrp="1"/>
           </p:cNvSpPr>
@@ -784,13 +885,19 @@
           <a:bodyPr/>
           <a:lstStyle/>
           <a:p>
-            <a:endParaRPr lang="en-GB"/>
-          </a:p>
-        </p:txBody>
-      </p:sp>
-      <p:sp>
-        <p:nvSpPr>
-          <p:cNvPr id="6" name="Slide Number Placeholder 5"/>
+            <a:endParaRPr lang="de-DE"/>
+          </a:p>
+        </p:txBody>
+      </p:sp>
+      <p:sp>
+        <p:nvSpPr>
+          <p:cNvPr id="6" name="Foliennummernplatzhalter 5">
+            <a:extLst>
+              <a:ext uri="{FF2B5EF4-FFF2-40B4-BE49-F238E27FC236}">
+                <a16:creationId xmlns:a16="http://schemas.microsoft.com/office/drawing/2014/main" id="{11AEA261-EFD1-DC21-C23F-F3D58AE0C988}"/>
+              </a:ext>
+            </a:extLst>
+          </p:cNvPr>
           <p:cNvSpPr>
             <a:spLocks noGrp="1"/>
           </p:cNvSpPr>
@@ -803,18 +910,18 @@
           <a:bodyPr/>
           <a:lstStyle/>
           <a:p>
-            <a:fld id="{3117605C-A9B5-4EAF-9E1A-6E45420DF41D}" type="slidenum">
-              <a:rPr lang="en-GB" smtClean="0"/>
+            <a:fld id="{65A299E7-3FA6-453B-9430-312A0B91EC8E}" type="slidenum">
+              <a:rPr lang="de-DE" smtClean="0"/>
               <a:t>‹Nr.›</a:t>
             </a:fld>
-            <a:endParaRPr lang="en-GB"/>
+            <a:endParaRPr lang="de-DE"/>
           </a:p>
         </p:txBody>
       </p:sp>
     </p:spTree>
     <p:extLst>
       <p:ext uri="{BB962C8B-B14F-4D97-AF65-F5344CB8AC3E}">
-        <p14:creationId xmlns:p14="http://schemas.microsoft.com/office/powerpoint/2010/main" val="3206369341"/>
+        <p14:creationId xmlns:p14="http://schemas.microsoft.com/office/powerpoint/2010/main" val="1119661893"/>
       </p:ext>
     </p:extLst>
   </p:cSld>
@@ -843,7 +950,13 @@
       </p:grpSpPr>
       <p:sp>
         <p:nvSpPr>
-          <p:cNvPr id="2" name="Title 1"/>
+          <p:cNvPr id="2" name="Titel 1">
+            <a:extLst>
+              <a:ext uri="{FF2B5EF4-FFF2-40B4-BE49-F238E27FC236}">
+                <a16:creationId xmlns:a16="http://schemas.microsoft.com/office/drawing/2014/main" id="{52B9E121-37B5-36D1-FA63-5183E80105D4}"/>
+              </a:ext>
+            </a:extLst>
+          </p:cNvPr>
           <p:cNvSpPr>
             <a:spLocks noGrp="1"/>
           </p:cNvSpPr>
@@ -869,13 +982,18 @@
               <a:rPr lang="de-DE"/>
               <a:t>Mastertitelformat bearbeiten</a:t>
             </a:r>
-            <a:endParaRPr lang="en-US" dirty="0"/>
-          </a:p>
-        </p:txBody>
-      </p:sp>
-      <p:sp>
-        <p:nvSpPr>
-          <p:cNvPr id="3" name="Text Placeholder 2"/>
+          </a:p>
+        </p:txBody>
+      </p:sp>
+      <p:sp>
+        <p:nvSpPr>
+          <p:cNvPr id="3" name="Textplatzhalter 2">
+            <a:extLst>
+              <a:ext uri="{FF2B5EF4-FFF2-40B4-BE49-F238E27FC236}">
+                <a16:creationId xmlns:a16="http://schemas.microsoft.com/office/drawing/2014/main" id="{4EDA802D-A56F-52F8-12DC-0023EFFE596A}"/>
+              </a:ext>
+            </a:extLst>
+          </p:cNvPr>
           <p:cNvSpPr>
             <a:spLocks noGrp="1"/>
           </p:cNvSpPr>
@@ -994,7 +1112,13 @@
       </p:sp>
       <p:sp>
         <p:nvSpPr>
-          <p:cNvPr id="4" name="Date Placeholder 3"/>
+          <p:cNvPr id="4" name="Datumsplatzhalter 3">
+            <a:extLst>
+              <a:ext uri="{FF2B5EF4-FFF2-40B4-BE49-F238E27FC236}">
+                <a16:creationId xmlns:a16="http://schemas.microsoft.com/office/drawing/2014/main" id="{76D761B4-F154-6DDA-6E36-4FE192B66317}"/>
+              </a:ext>
+            </a:extLst>
+          </p:cNvPr>
           <p:cNvSpPr>
             <a:spLocks noGrp="1"/>
           </p:cNvSpPr>
@@ -1007,17 +1131,23 @@
           <a:bodyPr/>
           <a:lstStyle/>
           <a:p>
-            <a:fld id="{3DB84558-E95A-42AD-B992-A8FF947CFD58}" type="datetimeFigureOut">
-              <a:rPr lang="en-GB" smtClean="0"/>
-              <a:t>05/10/2023</a:t>
+            <a:fld id="{B9326035-F2D2-4E73-BE71-86D63BFDCB94}" type="datetimeFigureOut">
+              <a:rPr lang="de-DE" smtClean="0"/>
+              <a:t>27.10.2023</a:t>
             </a:fld>
-            <a:endParaRPr lang="en-GB"/>
-          </a:p>
-        </p:txBody>
-      </p:sp>
-      <p:sp>
-        <p:nvSpPr>
-          <p:cNvPr id="5" name="Footer Placeholder 4"/>
+            <a:endParaRPr lang="de-DE"/>
+          </a:p>
+        </p:txBody>
+      </p:sp>
+      <p:sp>
+        <p:nvSpPr>
+          <p:cNvPr id="5" name="Fußzeilenplatzhalter 4">
+            <a:extLst>
+              <a:ext uri="{FF2B5EF4-FFF2-40B4-BE49-F238E27FC236}">
+                <a16:creationId xmlns:a16="http://schemas.microsoft.com/office/drawing/2014/main" id="{83B18E28-2213-B8E0-1F63-B24C7F767450}"/>
+              </a:ext>
+            </a:extLst>
+          </p:cNvPr>
           <p:cNvSpPr>
             <a:spLocks noGrp="1"/>
           </p:cNvSpPr>
@@ -1030,13 +1160,19 @@
           <a:bodyPr/>
           <a:lstStyle/>
           <a:p>
-            <a:endParaRPr lang="en-GB"/>
-          </a:p>
-        </p:txBody>
-      </p:sp>
-      <p:sp>
-        <p:nvSpPr>
-          <p:cNvPr id="6" name="Slide Number Placeholder 5"/>
+            <a:endParaRPr lang="de-DE"/>
+          </a:p>
+        </p:txBody>
+      </p:sp>
+      <p:sp>
+        <p:nvSpPr>
+          <p:cNvPr id="6" name="Foliennummernplatzhalter 5">
+            <a:extLst>
+              <a:ext uri="{FF2B5EF4-FFF2-40B4-BE49-F238E27FC236}">
+                <a16:creationId xmlns:a16="http://schemas.microsoft.com/office/drawing/2014/main" id="{AB967370-55DB-7538-6350-E782A407C903}"/>
+              </a:ext>
+            </a:extLst>
+          </p:cNvPr>
           <p:cNvSpPr>
             <a:spLocks noGrp="1"/>
           </p:cNvSpPr>
@@ -1049,18 +1185,18 @@
           <a:bodyPr/>
           <a:lstStyle/>
           <a:p>
-            <a:fld id="{3117605C-A9B5-4EAF-9E1A-6E45420DF41D}" type="slidenum">
-              <a:rPr lang="en-GB" smtClean="0"/>
+            <a:fld id="{65A299E7-3FA6-453B-9430-312A0B91EC8E}" type="slidenum">
+              <a:rPr lang="de-DE" smtClean="0"/>
               <a:t>‹Nr.›</a:t>
             </a:fld>
-            <a:endParaRPr lang="en-GB"/>
+            <a:endParaRPr lang="de-DE"/>
           </a:p>
         </p:txBody>
       </p:sp>
     </p:spTree>
     <p:extLst>
       <p:ext uri="{BB962C8B-B14F-4D97-AF65-F5344CB8AC3E}">
-        <p14:creationId xmlns:p14="http://schemas.microsoft.com/office/powerpoint/2010/main" val="3500634359"/>
+        <p14:creationId xmlns:p14="http://schemas.microsoft.com/office/powerpoint/2010/main" val="371332778"/>
       </p:ext>
     </p:extLst>
   </p:cSld>
@@ -1089,7 +1225,13 @@
       </p:grpSpPr>
       <p:sp>
         <p:nvSpPr>
-          <p:cNvPr id="2" name="Title 1"/>
+          <p:cNvPr id="2" name="Titel 1">
+            <a:extLst>
+              <a:ext uri="{FF2B5EF4-FFF2-40B4-BE49-F238E27FC236}">
+                <a16:creationId xmlns:a16="http://schemas.microsoft.com/office/drawing/2014/main" id="{223AE75C-75CF-48B2-C6E8-04B9019A916C}"/>
+              </a:ext>
+            </a:extLst>
+          </p:cNvPr>
           <p:cNvSpPr>
             <a:spLocks noGrp="1"/>
           </p:cNvSpPr>
@@ -1106,13 +1248,18 @@
               <a:rPr lang="de-DE"/>
               <a:t>Mastertitelformat bearbeiten</a:t>
             </a:r>
-            <a:endParaRPr lang="en-US" dirty="0"/>
-          </a:p>
-        </p:txBody>
-      </p:sp>
-      <p:sp>
-        <p:nvSpPr>
-          <p:cNvPr id="3" name="Content Placeholder 2"/>
+          </a:p>
+        </p:txBody>
+      </p:sp>
+      <p:sp>
+        <p:nvSpPr>
+          <p:cNvPr id="3" name="Inhaltsplatzhalter 2">
+            <a:extLst>
+              <a:ext uri="{FF2B5EF4-FFF2-40B4-BE49-F238E27FC236}">
+                <a16:creationId xmlns:a16="http://schemas.microsoft.com/office/drawing/2014/main" id="{224A0C57-B165-346C-17C2-5A78D9E98743}"/>
+              </a:ext>
+            </a:extLst>
+          </p:cNvPr>
           <p:cNvSpPr>
             <a:spLocks noGrp="1"/>
           </p:cNvSpPr>
@@ -1163,13 +1310,18 @@
               <a:rPr lang="de-DE"/>
               <a:t>Fünfte Ebene</a:t>
             </a:r>
-            <a:endParaRPr lang="en-US" dirty="0"/>
-          </a:p>
-        </p:txBody>
-      </p:sp>
-      <p:sp>
-        <p:nvSpPr>
-          <p:cNvPr id="4" name="Content Placeholder 3"/>
+          </a:p>
+        </p:txBody>
+      </p:sp>
+      <p:sp>
+        <p:nvSpPr>
+          <p:cNvPr id="4" name="Inhaltsplatzhalter 3">
+            <a:extLst>
+              <a:ext uri="{FF2B5EF4-FFF2-40B4-BE49-F238E27FC236}">
+                <a16:creationId xmlns:a16="http://schemas.microsoft.com/office/drawing/2014/main" id="{885119F5-2DE1-0773-F046-EBB8ACB20D60}"/>
+              </a:ext>
+            </a:extLst>
+          </p:cNvPr>
           <p:cNvSpPr>
             <a:spLocks noGrp="1"/>
           </p:cNvSpPr>
@@ -1220,13 +1372,18 @@
               <a:rPr lang="de-DE"/>
               <a:t>Fünfte Ebene</a:t>
             </a:r>
-            <a:endParaRPr lang="en-US" dirty="0"/>
-          </a:p>
-        </p:txBody>
-      </p:sp>
-      <p:sp>
-        <p:nvSpPr>
-          <p:cNvPr id="5" name="Date Placeholder 4"/>
+          </a:p>
+        </p:txBody>
+      </p:sp>
+      <p:sp>
+        <p:nvSpPr>
+          <p:cNvPr id="5" name="Datumsplatzhalter 4">
+            <a:extLst>
+              <a:ext uri="{FF2B5EF4-FFF2-40B4-BE49-F238E27FC236}">
+                <a16:creationId xmlns:a16="http://schemas.microsoft.com/office/drawing/2014/main" id="{2FC20DC8-7895-D413-E271-B1CB064DDF3B}"/>
+              </a:ext>
+            </a:extLst>
+          </p:cNvPr>
           <p:cNvSpPr>
             <a:spLocks noGrp="1"/>
           </p:cNvSpPr>
@@ -1239,17 +1396,23 @@
           <a:bodyPr/>
           <a:lstStyle/>
           <a:p>
-            <a:fld id="{3DB84558-E95A-42AD-B992-A8FF947CFD58}" type="datetimeFigureOut">
-              <a:rPr lang="en-GB" smtClean="0"/>
-              <a:t>05/10/2023</a:t>
+            <a:fld id="{B9326035-F2D2-4E73-BE71-86D63BFDCB94}" type="datetimeFigureOut">
+              <a:rPr lang="de-DE" smtClean="0"/>
+              <a:t>27.10.2023</a:t>
             </a:fld>
-            <a:endParaRPr lang="en-GB"/>
-          </a:p>
-        </p:txBody>
-      </p:sp>
-      <p:sp>
-        <p:nvSpPr>
-          <p:cNvPr id="6" name="Footer Placeholder 5"/>
+            <a:endParaRPr lang="de-DE"/>
+          </a:p>
+        </p:txBody>
+      </p:sp>
+      <p:sp>
+        <p:nvSpPr>
+          <p:cNvPr id="6" name="Fußzeilenplatzhalter 5">
+            <a:extLst>
+              <a:ext uri="{FF2B5EF4-FFF2-40B4-BE49-F238E27FC236}">
+                <a16:creationId xmlns:a16="http://schemas.microsoft.com/office/drawing/2014/main" id="{9847F2D1-5BE5-1F7C-1F22-1275F2E5AF5A}"/>
+              </a:ext>
+            </a:extLst>
+          </p:cNvPr>
           <p:cNvSpPr>
             <a:spLocks noGrp="1"/>
           </p:cNvSpPr>
@@ -1262,13 +1425,19 @@
           <a:bodyPr/>
           <a:lstStyle/>
           <a:p>
-            <a:endParaRPr lang="en-GB"/>
-          </a:p>
-        </p:txBody>
-      </p:sp>
-      <p:sp>
-        <p:nvSpPr>
-          <p:cNvPr id="7" name="Slide Number Placeholder 6"/>
+            <a:endParaRPr lang="de-DE"/>
+          </a:p>
+        </p:txBody>
+      </p:sp>
+      <p:sp>
+        <p:nvSpPr>
+          <p:cNvPr id="7" name="Foliennummernplatzhalter 6">
+            <a:extLst>
+              <a:ext uri="{FF2B5EF4-FFF2-40B4-BE49-F238E27FC236}">
+                <a16:creationId xmlns:a16="http://schemas.microsoft.com/office/drawing/2014/main" id="{C11E9305-F551-0FE3-5478-33B10F3DCF10}"/>
+              </a:ext>
+            </a:extLst>
+          </p:cNvPr>
           <p:cNvSpPr>
             <a:spLocks noGrp="1"/>
           </p:cNvSpPr>
@@ -1281,18 +1450,18 @@
           <a:bodyPr/>
           <a:lstStyle/>
           <a:p>
-            <a:fld id="{3117605C-A9B5-4EAF-9E1A-6E45420DF41D}" type="slidenum">
-              <a:rPr lang="en-GB" smtClean="0"/>
+            <a:fld id="{65A299E7-3FA6-453B-9430-312A0B91EC8E}" type="slidenum">
+              <a:rPr lang="de-DE" smtClean="0"/>
               <a:t>‹Nr.›</a:t>
             </a:fld>
-            <a:endParaRPr lang="en-GB"/>
+            <a:endParaRPr lang="de-DE"/>
           </a:p>
         </p:txBody>
       </p:sp>
     </p:spTree>
     <p:extLst>
       <p:ext uri="{BB962C8B-B14F-4D97-AF65-F5344CB8AC3E}">
-        <p14:creationId xmlns:p14="http://schemas.microsoft.com/office/powerpoint/2010/main" val="1804636055"/>
+        <p14:creationId xmlns:p14="http://schemas.microsoft.com/office/powerpoint/2010/main" val="3254379627"/>
       </p:ext>
     </p:extLst>
   </p:cSld>
@@ -1321,7 +1490,13 @@
       </p:grpSpPr>
       <p:sp>
         <p:nvSpPr>
-          <p:cNvPr id="2" name="Title 1"/>
+          <p:cNvPr id="2" name="Titel 1">
+            <a:extLst>
+              <a:ext uri="{FF2B5EF4-FFF2-40B4-BE49-F238E27FC236}">
+                <a16:creationId xmlns:a16="http://schemas.microsoft.com/office/drawing/2014/main" id="{E21BAC46-6672-F9E7-C773-6054F724C5FD}"/>
+              </a:ext>
+            </a:extLst>
+          </p:cNvPr>
           <p:cNvSpPr>
             <a:spLocks noGrp="1"/>
           </p:cNvSpPr>
@@ -1343,13 +1518,18 @@
               <a:rPr lang="de-DE"/>
               <a:t>Mastertitelformat bearbeiten</a:t>
             </a:r>
-            <a:endParaRPr lang="en-US" dirty="0"/>
-          </a:p>
-        </p:txBody>
-      </p:sp>
-      <p:sp>
-        <p:nvSpPr>
-          <p:cNvPr id="3" name="Text Placeholder 2"/>
+          </a:p>
+        </p:txBody>
+      </p:sp>
+      <p:sp>
+        <p:nvSpPr>
+          <p:cNvPr id="3" name="Textplatzhalter 2">
+            <a:extLst>
+              <a:ext uri="{FF2B5EF4-FFF2-40B4-BE49-F238E27FC236}">
+                <a16:creationId xmlns:a16="http://schemas.microsoft.com/office/drawing/2014/main" id="{F9754293-C5E9-8EC4-1A7D-19F2E4C74D79}"/>
+              </a:ext>
+            </a:extLst>
+          </p:cNvPr>
           <p:cNvSpPr>
             <a:spLocks noGrp="1"/>
           </p:cNvSpPr>
@@ -1414,7 +1594,13 @@
       </p:sp>
       <p:sp>
         <p:nvSpPr>
-          <p:cNvPr id="4" name="Content Placeholder 3"/>
+          <p:cNvPr id="4" name="Inhaltsplatzhalter 3">
+            <a:extLst>
+              <a:ext uri="{FF2B5EF4-FFF2-40B4-BE49-F238E27FC236}">
+                <a16:creationId xmlns:a16="http://schemas.microsoft.com/office/drawing/2014/main" id="{080558EB-BE60-FB9F-DBEB-108272E8FEF1}"/>
+              </a:ext>
+            </a:extLst>
+          </p:cNvPr>
           <p:cNvSpPr>
             <a:spLocks noGrp="1"/>
           </p:cNvSpPr>
@@ -1465,13 +1651,18 @@
               <a:rPr lang="de-DE"/>
               <a:t>Fünfte Ebene</a:t>
             </a:r>
-            <a:endParaRPr lang="en-US" dirty="0"/>
-          </a:p>
-        </p:txBody>
-      </p:sp>
-      <p:sp>
-        <p:nvSpPr>
-          <p:cNvPr id="5" name="Text Placeholder 4"/>
+          </a:p>
+        </p:txBody>
+      </p:sp>
+      <p:sp>
+        <p:nvSpPr>
+          <p:cNvPr id="5" name="Textplatzhalter 4">
+            <a:extLst>
+              <a:ext uri="{FF2B5EF4-FFF2-40B4-BE49-F238E27FC236}">
+                <a16:creationId xmlns:a16="http://schemas.microsoft.com/office/drawing/2014/main" id="{E77623D4-9129-55B8-06EC-2F02120467B9}"/>
+              </a:ext>
+            </a:extLst>
+          </p:cNvPr>
           <p:cNvSpPr>
             <a:spLocks noGrp="1"/>
           </p:cNvSpPr>
@@ -1536,7 +1727,13 @@
       </p:sp>
       <p:sp>
         <p:nvSpPr>
-          <p:cNvPr id="6" name="Content Placeholder 5"/>
+          <p:cNvPr id="6" name="Inhaltsplatzhalter 5">
+            <a:extLst>
+              <a:ext uri="{FF2B5EF4-FFF2-40B4-BE49-F238E27FC236}">
+                <a16:creationId xmlns:a16="http://schemas.microsoft.com/office/drawing/2014/main" id="{1A1D8920-0161-28E3-ABCA-3582D6BB7B24}"/>
+              </a:ext>
+            </a:extLst>
+          </p:cNvPr>
           <p:cNvSpPr>
             <a:spLocks noGrp="1"/>
           </p:cNvSpPr>
@@ -1587,13 +1784,18 @@
               <a:rPr lang="de-DE"/>
               <a:t>Fünfte Ebene</a:t>
             </a:r>
-            <a:endParaRPr lang="en-US" dirty="0"/>
-          </a:p>
-        </p:txBody>
-      </p:sp>
-      <p:sp>
-        <p:nvSpPr>
-          <p:cNvPr id="7" name="Date Placeholder 6"/>
+          </a:p>
+        </p:txBody>
+      </p:sp>
+      <p:sp>
+        <p:nvSpPr>
+          <p:cNvPr id="7" name="Datumsplatzhalter 6">
+            <a:extLst>
+              <a:ext uri="{FF2B5EF4-FFF2-40B4-BE49-F238E27FC236}">
+                <a16:creationId xmlns:a16="http://schemas.microsoft.com/office/drawing/2014/main" id="{89ABAE5A-D2DC-17F0-E721-E8045874F21C}"/>
+              </a:ext>
+            </a:extLst>
+          </p:cNvPr>
           <p:cNvSpPr>
             <a:spLocks noGrp="1"/>
           </p:cNvSpPr>
@@ -1606,17 +1808,23 @@
           <a:bodyPr/>
           <a:lstStyle/>
           <a:p>
-            <a:fld id="{3DB84558-E95A-42AD-B992-A8FF947CFD58}" type="datetimeFigureOut">
-              <a:rPr lang="en-GB" smtClean="0"/>
-              <a:t>05/10/2023</a:t>
+            <a:fld id="{B9326035-F2D2-4E73-BE71-86D63BFDCB94}" type="datetimeFigureOut">
+              <a:rPr lang="de-DE" smtClean="0"/>
+              <a:t>27.10.2023</a:t>
             </a:fld>
-            <a:endParaRPr lang="en-GB"/>
-          </a:p>
-        </p:txBody>
-      </p:sp>
-      <p:sp>
-        <p:nvSpPr>
-          <p:cNvPr id="8" name="Footer Placeholder 7"/>
+            <a:endParaRPr lang="de-DE"/>
+          </a:p>
+        </p:txBody>
+      </p:sp>
+      <p:sp>
+        <p:nvSpPr>
+          <p:cNvPr id="8" name="Fußzeilenplatzhalter 7">
+            <a:extLst>
+              <a:ext uri="{FF2B5EF4-FFF2-40B4-BE49-F238E27FC236}">
+                <a16:creationId xmlns:a16="http://schemas.microsoft.com/office/drawing/2014/main" id="{07ED150E-46E0-67CD-3E98-0177199FEBB8}"/>
+              </a:ext>
+            </a:extLst>
+          </p:cNvPr>
           <p:cNvSpPr>
             <a:spLocks noGrp="1"/>
           </p:cNvSpPr>
@@ -1629,13 +1837,19 @@
           <a:bodyPr/>
           <a:lstStyle/>
           <a:p>
-            <a:endParaRPr lang="en-GB"/>
-          </a:p>
-        </p:txBody>
-      </p:sp>
-      <p:sp>
-        <p:nvSpPr>
-          <p:cNvPr id="9" name="Slide Number Placeholder 8"/>
+            <a:endParaRPr lang="de-DE"/>
+          </a:p>
+        </p:txBody>
+      </p:sp>
+      <p:sp>
+        <p:nvSpPr>
+          <p:cNvPr id="9" name="Foliennummernplatzhalter 8">
+            <a:extLst>
+              <a:ext uri="{FF2B5EF4-FFF2-40B4-BE49-F238E27FC236}">
+                <a16:creationId xmlns:a16="http://schemas.microsoft.com/office/drawing/2014/main" id="{D4F0376B-875F-A053-1EE3-B931268B90C9}"/>
+              </a:ext>
+            </a:extLst>
+          </p:cNvPr>
           <p:cNvSpPr>
             <a:spLocks noGrp="1"/>
           </p:cNvSpPr>
@@ -1648,18 +1862,18 @@
           <a:bodyPr/>
           <a:lstStyle/>
           <a:p>
-            <a:fld id="{3117605C-A9B5-4EAF-9E1A-6E45420DF41D}" type="slidenum">
-              <a:rPr lang="en-GB" smtClean="0"/>
+            <a:fld id="{65A299E7-3FA6-453B-9430-312A0B91EC8E}" type="slidenum">
+              <a:rPr lang="de-DE" smtClean="0"/>
               <a:t>‹Nr.›</a:t>
             </a:fld>
-            <a:endParaRPr lang="en-GB"/>
+            <a:endParaRPr lang="de-DE"/>
           </a:p>
         </p:txBody>
       </p:sp>
     </p:spTree>
     <p:extLst>
       <p:ext uri="{BB962C8B-B14F-4D97-AF65-F5344CB8AC3E}">
-        <p14:creationId xmlns:p14="http://schemas.microsoft.com/office/powerpoint/2010/main" val="955127688"/>
+        <p14:creationId xmlns:p14="http://schemas.microsoft.com/office/powerpoint/2010/main" val="1662781517"/>
       </p:ext>
     </p:extLst>
   </p:cSld>
@@ -1688,7 +1902,13 @@
       </p:grpSpPr>
       <p:sp>
         <p:nvSpPr>
-          <p:cNvPr id="2" name="Title 1"/>
+          <p:cNvPr id="2" name="Titel 1">
+            <a:extLst>
+              <a:ext uri="{FF2B5EF4-FFF2-40B4-BE49-F238E27FC236}">
+                <a16:creationId xmlns:a16="http://schemas.microsoft.com/office/drawing/2014/main" id="{0746E0EA-B0C2-BDA0-4135-0E3D328213FF}"/>
+              </a:ext>
+            </a:extLst>
+          </p:cNvPr>
           <p:cNvSpPr>
             <a:spLocks noGrp="1"/>
           </p:cNvSpPr>
@@ -1705,13 +1925,18 @@
               <a:rPr lang="de-DE"/>
               <a:t>Mastertitelformat bearbeiten</a:t>
             </a:r>
-            <a:endParaRPr lang="en-US" dirty="0"/>
-          </a:p>
-        </p:txBody>
-      </p:sp>
-      <p:sp>
-        <p:nvSpPr>
-          <p:cNvPr id="3" name="Date Placeholder 2"/>
+          </a:p>
+        </p:txBody>
+      </p:sp>
+      <p:sp>
+        <p:nvSpPr>
+          <p:cNvPr id="3" name="Datumsplatzhalter 2">
+            <a:extLst>
+              <a:ext uri="{FF2B5EF4-FFF2-40B4-BE49-F238E27FC236}">
+                <a16:creationId xmlns:a16="http://schemas.microsoft.com/office/drawing/2014/main" id="{F36B679A-CF41-852F-F75C-DFB2D72A58C5}"/>
+              </a:ext>
+            </a:extLst>
+          </p:cNvPr>
           <p:cNvSpPr>
             <a:spLocks noGrp="1"/>
           </p:cNvSpPr>
@@ -1724,17 +1949,23 @@
           <a:bodyPr/>
           <a:lstStyle/>
           <a:p>
-            <a:fld id="{3DB84558-E95A-42AD-B992-A8FF947CFD58}" type="datetimeFigureOut">
-              <a:rPr lang="en-GB" smtClean="0"/>
-              <a:t>05/10/2023</a:t>
+            <a:fld id="{B9326035-F2D2-4E73-BE71-86D63BFDCB94}" type="datetimeFigureOut">
+              <a:rPr lang="de-DE" smtClean="0"/>
+              <a:t>27.10.2023</a:t>
             </a:fld>
-            <a:endParaRPr lang="en-GB"/>
-          </a:p>
-        </p:txBody>
-      </p:sp>
-      <p:sp>
-        <p:nvSpPr>
-          <p:cNvPr id="4" name="Footer Placeholder 3"/>
+            <a:endParaRPr lang="de-DE"/>
+          </a:p>
+        </p:txBody>
+      </p:sp>
+      <p:sp>
+        <p:nvSpPr>
+          <p:cNvPr id="4" name="Fußzeilenplatzhalter 3">
+            <a:extLst>
+              <a:ext uri="{FF2B5EF4-FFF2-40B4-BE49-F238E27FC236}">
+                <a16:creationId xmlns:a16="http://schemas.microsoft.com/office/drawing/2014/main" id="{A30EAC91-4C6B-0E68-649D-C84A81EB7D33}"/>
+              </a:ext>
+            </a:extLst>
+          </p:cNvPr>
           <p:cNvSpPr>
             <a:spLocks noGrp="1"/>
           </p:cNvSpPr>
@@ -1747,13 +1978,19 @@
           <a:bodyPr/>
           <a:lstStyle/>
           <a:p>
-            <a:endParaRPr lang="en-GB"/>
-          </a:p>
-        </p:txBody>
-      </p:sp>
-      <p:sp>
-        <p:nvSpPr>
-          <p:cNvPr id="5" name="Slide Number Placeholder 4"/>
+            <a:endParaRPr lang="de-DE"/>
+          </a:p>
+        </p:txBody>
+      </p:sp>
+      <p:sp>
+        <p:nvSpPr>
+          <p:cNvPr id="5" name="Foliennummernplatzhalter 4">
+            <a:extLst>
+              <a:ext uri="{FF2B5EF4-FFF2-40B4-BE49-F238E27FC236}">
+                <a16:creationId xmlns:a16="http://schemas.microsoft.com/office/drawing/2014/main" id="{524B1281-98AC-DC91-1046-953126D14742}"/>
+              </a:ext>
+            </a:extLst>
+          </p:cNvPr>
           <p:cNvSpPr>
             <a:spLocks noGrp="1"/>
           </p:cNvSpPr>
@@ -1766,18 +2003,18 @@
           <a:bodyPr/>
           <a:lstStyle/>
           <a:p>
-            <a:fld id="{3117605C-A9B5-4EAF-9E1A-6E45420DF41D}" type="slidenum">
-              <a:rPr lang="en-GB" smtClean="0"/>
+            <a:fld id="{65A299E7-3FA6-453B-9430-312A0B91EC8E}" type="slidenum">
+              <a:rPr lang="de-DE" smtClean="0"/>
               <a:t>‹Nr.›</a:t>
             </a:fld>
-            <a:endParaRPr lang="en-GB"/>
+            <a:endParaRPr lang="de-DE"/>
           </a:p>
         </p:txBody>
       </p:sp>
     </p:spTree>
     <p:extLst>
       <p:ext uri="{BB962C8B-B14F-4D97-AF65-F5344CB8AC3E}">
-        <p14:creationId xmlns:p14="http://schemas.microsoft.com/office/powerpoint/2010/main" val="492078111"/>
+        <p14:creationId xmlns:p14="http://schemas.microsoft.com/office/powerpoint/2010/main" val="1189534464"/>
       </p:ext>
     </p:extLst>
   </p:cSld>
@@ -1806,7 +2043,13 @@
       </p:grpSpPr>
       <p:sp>
         <p:nvSpPr>
-          <p:cNvPr id="2" name="Date Placeholder 1"/>
+          <p:cNvPr id="2" name="Datumsplatzhalter 1">
+            <a:extLst>
+              <a:ext uri="{FF2B5EF4-FFF2-40B4-BE49-F238E27FC236}">
+                <a16:creationId xmlns:a16="http://schemas.microsoft.com/office/drawing/2014/main" id="{8BA0BB03-4B19-D7DB-5FCA-3ED3EF6E713E}"/>
+              </a:ext>
+            </a:extLst>
+          </p:cNvPr>
           <p:cNvSpPr>
             <a:spLocks noGrp="1"/>
           </p:cNvSpPr>
@@ -1819,17 +2062,23 @@
           <a:bodyPr/>
           <a:lstStyle/>
           <a:p>
-            <a:fld id="{3DB84558-E95A-42AD-B992-A8FF947CFD58}" type="datetimeFigureOut">
-              <a:rPr lang="en-GB" smtClean="0"/>
-              <a:t>05/10/2023</a:t>
+            <a:fld id="{B9326035-F2D2-4E73-BE71-86D63BFDCB94}" type="datetimeFigureOut">
+              <a:rPr lang="de-DE" smtClean="0"/>
+              <a:t>27.10.2023</a:t>
             </a:fld>
-            <a:endParaRPr lang="en-GB"/>
-          </a:p>
-        </p:txBody>
-      </p:sp>
-      <p:sp>
-        <p:nvSpPr>
-          <p:cNvPr id="3" name="Footer Placeholder 2"/>
+            <a:endParaRPr lang="de-DE"/>
+          </a:p>
+        </p:txBody>
+      </p:sp>
+      <p:sp>
+        <p:nvSpPr>
+          <p:cNvPr id="3" name="Fußzeilenplatzhalter 2">
+            <a:extLst>
+              <a:ext uri="{FF2B5EF4-FFF2-40B4-BE49-F238E27FC236}">
+                <a16:creationId xmlns:a16="http://schemas.microsoft.com/office/drawing/2014/main" id="{3A0F6F1F-C977-9089-73BE-006D8AE3B207}"/>
+              </a:ext>
+            </a:extLst>
+          </p:cNvPr>
           <p:cNvSpPr>
             <a:spLocks noGrp="1"/>
           </p:cNvSpPr>
@@ -1842,13 +2091,19 @@
           <a:bodyPr/>
           <a:lstStyle/>
           <a:p>
-            <a:endParaRPr lang="en-GB"/>
-          </a:p>
-        </p:txBody>
-      </p:sp>
-      <p:sp>
-        <p:nvSpPr>
-          <p:cNvPr id="4" name="Slide Number Placeholder 3"/>
+            <a:endParaRPr lang="de-DE"/>
+          </a:p>
+        </p:txBody>
+      </p:sp>
+      <p:sp>
+        <p:nvSpPr>
+          <p:cNvPr id="4" name="Foliennummernplatzhalter 3">
+            <a:extLst>
+              <a:ext uri="{FF2B5EF4-FFF2-40B4-BE49-F238E27FC236}">
+                <a16:creationId xmlns:a16="http://schemas.microsoft.com/office/drawing/2014/main" id="{77B8FB16-FB0F-2710-7CB4-C83090E302DC}"/>
+              </a:ext>
+            </a:extLst>
+          </p:cNvPr>
           <p:cNvSpPr>
             <a:spLocks noGrp="1"/>
           </p:cNvSpPr>
@@ -1861,18 +2116,18 @@
           <a:bodyPr/>
           <a:lstStyle/>
           <a:p>
-            <a:fld id="{3117605C-A9B5-4EAF-9E1A-6E45420DF41D}" type="slidenum">
-              <a:rPr lang="en-GB" smtClean="0"/>
+            <a:fld id="{65A299E7-3FA6-453B-9430-312A0B91EC8E}" type="slidenum">
+              <a:rPr lang="de-DE" smtClean="0"/>
               <a:t>‹Nr.›</a:t>
             </a:fld>
-            <a:endParaRPr lang="en-GB"/>
+            <a:endParaRPr lang="de-DE"/>
           </a:p>
         </p:txBody>
       </p:sp>
     </p:spTree>
     <p:extLst>
       <p:ext uri="{BB962C8B-B14F-4D97-AF65-F5344CB8AC3E}">
-        <p14:creationId xmlns:p14="http://schemas.microsoft.com/office/powerpoint/2010/main" val="167900888"/>
+        <p14:creationId xmlns:p14="http://schemas.microsoft.com/office/powerpoint/2010/main" val="3387393232"/>
       </p:ext>
     </p:extLst>
   </p:cSld>
@@ -1901,7 +2156,13 @@
       </p:grpSpPr>
       <p:sp>
         <p:nvSpPr>
-          <p:cNvPr id="2" name="Title 1"/>
+          <p:cNvPr id="2" name="Titel 1">
+            <a:extLst>
+              <a:ext uri="{FF2B5EF4-FFF2-40B4-BE49-F238E27FC236}">
+                <a16:creationId xmlns:a16="http://schemas.microsoft.com/office/drawing/2014/main" id="{0B32D21B-9B9D-FCDB-86AD-7672C9F1FA9D}"/>
+              </a:ext>
+            </a:extLst>
+          </p:cNvPr>
           <p:cNvSpPr>
             <a:spLocks noGrp="1"/>
           </p:cNvSpPr>
@@ -1927,13 +2188,18 @@
               <a:rPr lang="de-DE"/>
               <a:t>Mastertitelformat bearbeiten</a:t>
             </a:r>
-            <a:endParaRPr lang="en-US" dirty="0"/>
-          </a:p>
-        </p:txBody>
-      </p:sp>
-      <p:sp>
-        <p:nvSpPr>
-          <p:cNvPr id="3" name="Content Placeholder 2"/>
+          </a:p>
+        </p:txBody>
+      </p:sp>
+      <p:sp>
+        <p:nvSpPr>
+          <p:cNvPr id="3" name="Inhaltsplatzhalter 2">
+            <a:extLst>
+              <a:ext uri="{FF2B5EF4-FFF2-40B4-BE49-F238E27FC236}">
+                <a16:creationId xmlns:a16="http://schemas.microsoft.com/office/drawing/2014/main" id="{F26D766E-E669-ED5C-6922-413D95B0ADA6}"/>
+              </a:ext>
+            </a:extLst>
+          </p:cNvPr>
           <p:cNvSpPr>
             <a:spLocks noGrp="1"/>
           </p:cNvSpPr>
@@ -2012,13 +2278,18 @@
               <a:rPr lang="de-DE"/>
               <a:t>Fünfte Ebene</a:t>
             </a:r>
-            <a:endParaRPr lang="en-US" dirty="0"/>
-          </a:p>
-        </p:txBody>
-      </p:sp>
-      <p:sp>
-        <p:nvSpPr>
-          <p:cNvPr id="4" name="Text Placeholder 3"/>
+          </a:p>
+        </p:txBody>
+      </p:sp>
+      <p:sp>
+        <p:nvSpPr>
+          <p:cNvPr id="4" name="Textplatzhalter 3">
+            <a:extLst>
+              <a:ext uri="{FF2B5EF4-FFF2-40B4-BE49-F238E27FC236}">
+                <a16:creationId xmlns:a16="http://schemas.microsoft.com/office/drawing/2014/main" id="{4ED79C0A-F95A-CAB7-899C-A4B70FC003F3}"/>
+              </a:ext>
+            </a:extLst>
+          </p:cNvPr>
           <p:cNvSpPr>
             <a:spLocks noGrp="1"/>
           </p:cNvSpPr>
@@ -2083,7 +2354,13 @@
       </p:sp>
       <p:sp>
         <p:nvSpPr>
-          <p:cNvPr id="5" name="Date Placeholder 4"/>
+          <p:cNvPr id="5" name="Datumsplatzhalter 4">
+            <a:extLst>
+              <a:ext uri="{FF2B5EF4-FFF2-40B4-BE49-F238E27FC236}">
+                <a16:creationId xmlns:a16="http://schemas.microsoft.com/office/drawing/2014/main" id="{19C5E924-8DCA-CBB2-817A-43EE7BEF1DDF}"/>
+              </a:ext>
+            </a:extLst>
+          </p:cNvPr>
           <p:cNvSpPr>
             <a:spLocks noGrp="1"/>
           </p:cNvSpPr>
@@ -2096,17 +2373,23 @@
           <a:bodyPr/>
           <a:lstStyle/>
           <a:p>
-            <a:fld id="{3DB84558-E95A-42AD-B992-A8FF947CFD58}" type="datetimeFigureOut">
-              <a:rPr lang="en-GB" smtClean="0"/>
-              <a:t>05/10/2023</a:t>
+            <a:fld id="{B9326035-F2D2-4E73-BE71-86D63BFDCB94}" type="datetimeFigureOut">
+              <a:rPr lang="de-DE" smtClean="0"/>
+              <a:t>27.10.2023</a:t>
             </a:fld>
-            <a:endParaRPr lang="en-GB"/>
-          </a:p>
-        </p:txBody>
-      </p:sp>
-      <p:sp>
-        <p:nvSpPr>
-          <p:cNvPr id="6" name="Footer Placeholder 5"/>
+            <a:endParaRPr lang="de-DE"/>
+          </a:p>
+        </p:txBody>
+      </p:sp>
+      <p:sp>
+        <p:nvSpPr>
+          <p:cNvPr id="6" name="Fußzeilenplatzhalter 5">
+            <a:extLst>
+              <a:ext uri="{FF2B5EF4-FFF2-40B4-BE49-F238E27FC236}">
+                <a16:creationId xmlns:a16="http://schemas.microsoft.com/office/drawing/2014/main" id="{8D951BB2-C33F-0CCB-2ECD-D0412BE48A69}"/>
+              </a:ext>
+            </a:extLst>
+          </p:cNvPr>
           <p:cNvSpPr>
             <a:spLocks noGrp="1"/>
           </p:cNvSpPr>
@@ -2119,13 +2402,19 @@
           <a:bodyPr/>
           <a:lstStyle/>
           <a:p>
-            <a:endParaRPr lang="en-GB"/>
-          </a:p>
-        </p:txBody>
-      </p:sp>
-      <p:sp>
-        <p:nvSpPr>
-          <p:cNvPr id="7" name="Slide Number Placeholder 6"/>
+            <a:endParaRPr lang="de-DE"/>
+          </a:p>
+        </p:txBody>
+      </p:sp>
+      <p:sp>
+        <p:nvSpPr>
+          <p:cNvPr id="7" name="Foliennummernplatzhalter 6">
+            <a:extLst>
+              <a:ext uri="{FF2B5EF4-FFF2-40B4-BE49-F238E27FC236}">
+                <a16:creationId xmlns:a16="http://schemas.microsoft.com/office/drawing/2014/main" id="{C8EF0488-F350-8640-9AAE-10DFC9CF8872}"/>
+              </a:ext>
+            </a:extLst>
+          </p:cNvPr>
           <p:cNvSpPr>
             <a:spLocks noGrp="1"/>
           </p:cNvSpPr>
@@ -2138,18 +2427,18 @@
           <a:bodyPr/>
           <a:lstStyle/>
           <a:p>
-            <a:fld id="{3117605C-A9B5-4EAF-9E1A-6E45420DF41D}" type="slidenum">
-              <a:rPr lang="en-GB" smtClean="0"/>
+            <a:fld id="{65A299E7-3FA6-453B-9430-312A0B91EC8E}" type="slidenum">
+              <a:rPr lang="de-DE" smtClean="0"/>
               <a:t>‹Nr.›</a:t>
             </a:fld>
-            <a:endParaRPr lang="en-GB"/>
+            <a:endParaRPr lang="de-DE"/>
           </a:p>
         </p:txBody>
       </p:sp>
     </p:spTree>
     <p:extLst>
       <p:ext uri="{BB962C8B-B14F-4D97-AF65-F5344CB8AC3E}">
-        <p14:creationId xmlns:p14="http://schemas.microsoft.com/office/powerpoint/2010/main" val="453255179"/>
+        <p14:creationId xmlns:p14="http://schemas.microsoft.com/office/powerpoint/2010/main" val="2251841760"/>
       </p:ext>
     </p:extLst>
   </p:cSld>
@@ -2178,7 +2467,13 @@
       </p:grpSpPr>
       <p:sp>
         <p:nvSpPr>
-          <p:cNvPr id="2" name="Title 1"/>
+          <p:cNvPr id="2" name="Titel 1">
+            <a:extLst>
+              <a:ext uri="{FF2B5EF4-FFF2-40B4-BE49-F238E27FC236}">
+                <a16:creationId xmlns:a16="http://schemas.microsoft.com/office/drawing/2014/main" id="{E174E961-4BF5-E802-0C8D-564872A78EF5}"/>
+              </a:ext>
+            </a:extLst>
+          </p:cNvPr>
           <p:cNvSpPr>
             <a:spLocks noGrp="1"/>
           </p:cNvSpPr>
@@ -2204,15 +2499,20 @@
               <a:rPr lang="de-DE"/>
               <a:t>Mastertitelformat bearbeiten</a:t>
             </a:r>
-            <a:endParaRPr lang="en-US" dirty="0"/>
-          </a:p>
-        </p:txBody>
-      </p:sp>
-      <p:sp>
-        <p:nvSpPr>
-          <p:cNvPr id="3" name="Picture Placeholder 2"/>
-          <p:cNvSpPr>
-            <a:spLocks noGrp="1" noChangeAspect="1"/>
+          </a:p>
+        </p:txBody>
+      </p:sp>
+      <p:sp>
+        <p:nvSpPr>
+          <p:cNvPr id="3" name="Bildplatzhalter 2">
+            <a:extLst>
+              <a:ext uri="{FF2B5EF4-FFF2-40B4-BE49-F238E27FC236}">
+                <a16:creationId xmlns:a16="http://schemas.microsoft.com/office/drawing/2014/main" id="{1C4D7BC0-BBDD-1D80-CFD4-7BEC6DFC6033}"/>
+              </a:ext>
+            </a:extLst>
+          </p:cNvPr>
+          <p:cNvSpPr>
+            <a:spLocks noGrp="1"/>
           </p:cNvSpPr>
           <p:nvPr>
             <p:ph type="pic" idx="1"/>
@@ -2225,7 +2525,7 @@
           </a:xfrm>
         </p:spPr>
         <p:txBody>
-          <a:bodyPr anchor="t"/>
+          <a:bodyPr/>
           <a:lstStyle>
             <a:lvl1pPr marL="0" indent="0">
               <a:buNone/>
@@ -2265,17 +2565,19 @@
             </a:lvl9pPr>
           </a:lstStyle>
           <a:p>
-            <a:r>
-              <a:rPr lang="de-DE"/>
-              <a:t>Bild durch Klicken auf Symbol hinzufügen</a:t>
-            </a:r>
-            <a:endParaRPr lang="en-US" dirty="0"/>
-          </a:p>
-        </p:txBody>
-      </p:sp>
-      <p:sp>
-        <p:nvSpPr>
-          <p:cNvPr id="4" name="Text Placeholder 3"/>
+            <a:endParaRPr lang="de-DE"/>
+          </a:p>
+        </p:txBody>
+      </p:sp>
+      <p:sp>
+        <p:nvSpPr>
+          <p:cNvPr id="4" name="Textplatzhalter 3">
+            <a:extLst>
+              <a:ext uri="{FF2B5EF4-FFF2-40B4-BE49-F238E27FC236}">
+                <a16:creationId xmlns:a16="http://schemas.microsoft.com/office/drawing/2014/main" id="{79F04041-8E54-A8D4-5E2B-EF5A98D1ABAD}"/>
+              </a:ext>
+            </a:extLst>
+          </p:cNvPr>
           <p:cNvSpPr>
             <a:spLocks noGrp="1"/>
           </p:cNvSpPr>
@@ -2340,7 +2642,13 @@
       </p:sp>
       <p:sp>
         <p:nvSpPr>
-          <p:cNvPr id="5" name="Date Placeholder 4"/>
+          <p:cNvPr id="5" name="Datumsplatzhalter 4">
+            <a:extLst>
+              <a:ext uri="{FF2B5EF4-FFF2-40B4-BE49-F238E27FC236}">
+                <a16:creationId xmlns:a16="http://schemas.microsoft.com/office/drawing/2014/main" id="{B1A71D93-EB59-8B6B-1D90-5A69F203B4F8}"/>
+              </a:ext>
+            </a:extLst>
+          </p:cNvPr>
           <p:cNvSpPr>
             <a:spLocks noGrp="1"/>
           </p:cNvSpPr>
@@ -2353,17 +2661,23 @@
           <a:bodyPr/>
           <a:lstStyle/>
           <a:p>
-            <a:fld id="{3DB84558-E95A-42AD-B992-A8FF947CFD58}" type="datetimeFigureOut">
-              <a:rPr lang="en-GB" smtClean="0"/>
-              <a:t>05/10/2023</a:t>
+            <a:fld id="{B9326035-F2D2-4E73-BE71-86D63BFDCB94}" type="datetimeFigureOut">
+              <a:rPr lang="de-DE" smtClean="0"/>
+              <a:t>27.10.2023</a:t>
             </a:fld>
-            <a:endParaRPr lang="en-GB"/>
-          </a:p>
-        </p:txBody>
-      </p:sp>
-      <p:sp>
-        <p:nvSpPr>
-          <p:cNvPr id="6" name="Footer Placeholder 5"/>
+            <a:endParaRPr lang="de-DE"/>
+          </a:p>
+        </p:txBody>
+      </p:sp>
+      <p:sp>
+        <p:nvSpPr>
+          <p:cNvPr id="6" name="Fußzeilenplatzhalter 5">
+            <a:extLst>
+              <a:ext uri="{FF2B5EF4-FFF2-40B4-BE49-F238E27FC236}">
+                <a16:creationId xmlns:a16="http://schemas.microsoft.com/office/drawing/2014/main" id="{9B825A6E-FE88-DD51-C5E3-505D74A0B552}"/>
+              </a:ext>
+            </a:extLst>
+          </p:cNvPr>
           <p:cNvSpPr>
             <a:spLocks noGrp="1"/>
           </p:cNvSpPr>
@@ -2376,13 +2690,19 @@
           <a:bodyPr/>
           <a:lstStyle/>
           <a:p>
-            <a:endParaRPr lang="en-GB"/>
-          </a:p>
-        </p:txBody>
-      </p:sp>
-      <p:sp>
-        <p:nvSpPr>
-          <p:cNvPr id="7" name="Slide Number Placeholder 6"/>
+            <a:endParaRPr lang="de-DE"/>
+          </a:p>
+        </p:txBody>
+      </p:sp>
+      <p:sp>
+        <p:nvSpPr>
+          <p:cNvPr id="7" name="Foliennummernplatzhalter 6">
+            <a:extLst>
+              <a:ext uri="{FF2B5EF4-FFF2-40B4-BE49-F238E27FC236}">
+                <a16:creationId xmlns:a16="http://schemas.microsoft.com/office/drawing/2014/main" id="{9D5EDC4F-CB69-C424-90C8-03413F6AD72B}"/>
+              </a:ext>
+            </a:extLst>
+          </p:cNvPr>
           <p:cNvSpPr>
             <a:spLocks noGrp="1"/>
           </p:cNvSpPr>
@@ -2395,18 +2715,18 @@
           <a:bodyPr/>
           <a:lstStyle/>
           <a:p>
-            <a:fld id="{3117605C-A9B5-4EAF-9E1A-6E45420DF41D}" type="slidenum">
-              <a:rPr lang="en-GB" smtClean="0"/>
+            <a:fld id="{65A299E7-3FA6-453B-9430-312A0B91EC8E}" type="slidenum">
+              <a:rPr lang="de-DE" smtClean="0"/>
               <a:t>‹Nr.›</a:t>
             </a:fld>
-            <a:endParaRPr lang="en-GB"/>
+            <a:endParaRPr lang="de-DE"/>
           </a:p>
         </p:txBody>
       </p:sp>
     </p:spTree>
     <p:extLst>
       <p:ext uri="{BB962C8B-B14F-4D97-AF65-F5344CB8AC3E}">
-        <p14:creationId xmlns:p14="http://schemas.microsoft.com/office/powerpoint/2010/main" val="1938406639"/>
+        <p14:creationId xmlns:p14="http://schemas.microsoft.com/office/powerpoint/2010/main" val="2106845305"/>
       </p:ext>
     </p:extLst>
   </p:cSld>
@@ -2440,7 +2760,13 @@
       </p:grpSpPr>
       <p:sp>
         <p:nvSpPr>
-          <p:cNvPr id="2" name="Title Placeholder 1"/>
+          <p:cNvPr id="2" name="Titelplatzhalter 1">
+            <a:extLst>
+              <a:ext uri="{FF2B5EF4-FFF2-40B4-BE49-F238E27FC236}">
+                <a16:creationId xmlns:a16="http://schemas.microsoft.com/office/drawing/2014/main" id="{8A34C7CA-1396-C7B7-57BD-1C153B94F99A}"/>
+              </a:ext>
+            </a:extLst>
+          </p:cNvPr>
           <p:cNvSpPr>
             <a:spLocks noGrp="1"/>
           </p:cNvSpPr>
@@ -2467,13 +2793,18 @@
               <a:rPr lang="de-DE"/>
               <a:t>Mastertitelformat bearbeiten</a:t>
             </a:r>
-            <a:endParaRPr lang="en-US" dirty="0"/>
-          </a:p>
-        </p:txBody>
-      </p:sp>
-      <p:sp>
-        <p:nvSpPr>
-          <p:cNvPr id="3" name="Text Placeholder 2"/>
+          </a:p>
+        </p:txBody>
+      </p:sp>
+      <p:sp>
+        <p:nvSpPr>
+          <p:cNvPr id="3" name="Textplatzhalter 2">
+            <a:extLst>
+              <a:ext uri="{FF2B5EF4-FFF2-40B4-BE49-F238E27FC236}">
+                <a16:creationId xmlns:a16="http://schemas.microsoft.com/office/drawing/2014/main" id="{B246BF57-0DFD-B1D4-301D-E15415A3EC6B}"/>
+              </a:ext>
+            </a:extLst>
+          </p:cNvPr>
           <p:cNvSpPr>
             <a:spLocks noGrp="1"/>
           </p:cNvSpPr>
@@ -2529,13 +2860,18 @@
               <a:rPr lang="de-DE"/>
               <a:t>Fünfte Ebene</a:t>
             </a:r>
-            <a:endParaRPr lang="en-US" dirty="0"/>
-          </a:p>
-        </p:txBody>
-      </p:sp>
-      <p:sp>
-        <p:nvSpPr>
-          <p:cNvPr id="4" name="Date Placeholder 3"/>
+          </a:p>
+        </p:txBody>
+      </p:sp>
+      <p:sp>
+        <p:nvSpPr>
+          <p:cNvPr id="4" name="Datumsplatzhalter 3">
+            <a:extLst>
+              <a:ext uri="{FF2B5EF4-FFF2-40B4-BE49-F238E27FC236}">
+                <a16:creationId xmlns:a16="http://schemas.microsoft.com/office/drawing/2014/main" id="{6456ED8B-DEC0-97E4-6CF0-ECCD483E3028}"/>
+              </a:ext>
+            </a:extLst>
+          </p:cNvPr>
           <p:cNvSpPr>
             <a:spLocks noGrp="1"/>
           </p:cNvSpPr>
@@ -2566,17 +2902,23 @@
             </a:lvl1pPr>
           </a:lstStyle>
           <a:p>
-            <a:fld id="{3DB84558-E95A-42AD-B992-A8FF947CFD58}" type="datetimeFigureOut">
-              <a:rPr lang="en-GB" smtClean="0"/>
-              <a:t>05/10/2023</a:t>
+            <a:fld id="{B9326035-F2D2-4E73-BE71-86D63BFDCB94}" type="datetimeFigureOut">
+              <a:rPr lang="de-DE" smtClean="0"/>
+              <a:t>27.10.2023</a:t>
             </a:fld>
-            <a:endParaRPr lang="en-GB"/>
-          </a:p>
-        </p:txBody>
-      </p:sp>
-      <p:sp>
-        <p:nvSpPr>
-          <p:cNvPr id="5" name="Footer Placeholder 4"/>
+            <a:endParaRPr lang="de-DE"/>
+          </a:p>
+        </p:txBody>
+      </p:sp>
+      <p:sp>
+        <p:nvSpPr>
+          <p:cNvPr id="5" name="Fußzeilenplatzhalter 4">
+            <a:extLst>
+              <a:ext uri="{FF2B5EF4-FFF2-40B4-BE49-F238E27FC236}">
+                <a16:creationId xmlns:a16="http://schemas.microsoft.com/office/drawing/2014/main" id="{6ECDC3ED-CC39-19E5-F686-A6CFF5E9935F}"/>
+              </a:ext>
+            </a:extLst>
+          </p:cNvPr>
           <p:cNvSpPr>
             <a:spLocks noGrp="1"/>
           </p:cNvSpPr>
@@ -2607,13 +2949,19 @@
             </a:lvl1pPr>
           </a:lstStyle>
           <a:p>
-            <a:endParaRPr lang="en-GB"/>
-          </a:p>
-        </p:txBody>
-      </p:sp>
-      <p:sp>
-        <p:nvSpPr>
-          <p:cNvPr id="6" name="Slide Number Placeholder 5"/>
+            <a:endParaRPr lang="de-DE"/>
+          </a:p>
+        </p:txBody>
+      </p:sp>
+      <p:sp>
+        <p:nvSpPr>
+          <p:cNvPr id="6" name="Foliennummernplatzhalter 5">
+            <a:extLst>
+              <a:ext uri="{FF2B5EF4-FFF2-40B4-BE49-F238E27FC236}">
+                <a16:creationId xmlns:a16="http://schemas.microsoft.com/office/drawing/2014/main" id="{48F5B721-0AFD-A934-80F1-E31F89EC4638}"/>
+              </a:ext>
+            </a:extLst>
+          </p:cNvPr>
           <p:cNvSpPr>
             <a:spLocks noGrp="1"/>
           </p:cNvSpPr>
@@ -2644,34 +2992,34 @@
             </a:lvl1pPr>
           </a:lstStyle>
           <a:p>
-            <a:fld id="{3117605C-A9B5-4EAF-9E1A-6E45420DF41D}" type="slidenum">
-              <a:rPr lang="en-GB" smtClean="0"/>
+            <a:fld id="{65A299E7-3FA6-453B-9430-312A0B91EC8E}" type="slidenum">
+              <a:rPr lang="de-DE" smtClean="0"/>
               <a:t>‹Nr.›</a:t>
             </a:fld>
-            <a:endParaRPr lang="en-GB"/>
+            <a:endParaRPr lang="de-DE"/>
           </a:p>
         </p:txBody>
       </p:sp>
     </p:spTree>
     <p:extLst>
       <p:ext uri="{BB962C8B-B14F-4D97-AF65-F5344CB8AC3E}">
-        <p14:creationId xmlns:p14="http://schemas.microsoft.com/office/powerpoint/2010/main" val="1904061230"/>
+        <p14:creationId xmlns:p14="http://schemas.microsoft.com/office/powerpoint/2010/main" val="516876151"/>
       </p:ext>
     </p:extLst>
   </p:cSld>
   <p:clrMap bg1="lt1" tx1="dk1" bg2="lt2" tx2="dk2" accent1="accent1" accent2="accent2" accent3="accent3" accent4="accent4" accent5="accent5" accent6="accent6" hlink="hlink" folHlink="folHlink"/>
   <p:sldLayoutIdLst>
-    <p:sldLayoutId id="2147483673" r:id="rId1"/>
-    <p:sldLayoutId id="2147483674" r:id="rId2"/>
-    <p:sldLayoutId id="2147483675" r:id="rId3"/>
-    <p:sldLayoutId id="2147483676" r:id="rId4"/>
-    <p:sldLayoutId id="2147483677" r:id="rId5"/>
-    <p:sldLayoutId id="2147483678" r:id="rId6"/>
-    <p:sldLayoutId id="2147483679" r:id="rId7"/>
-    <p:sldLayoutId id="2147483680" r:id="rId8"/>
-    <p:sldLayoutId id="2147483681" r:id="rId9"/>
-    <p:sldLayoutId id="2147483682" r:id="rId10"/>
-    <p:sldLayoutId id="2147483683" r:id="rId11"/>
+    <p:sldLayoutId id="2147483649" r:id="rId1"/>
+    <p:sldLayoutId id="2147483650" r:id="rId2"/>
+    <p:sldLayoutId id="2147483651" r:id="rId3"/>
+    <p:sldLayoutId id="2147483652" r:id="rId4"/>
+    <p:sldLayoutId id="2147483653" r:id="rId5"/>
+    <p:sldLayoutId id="2147483654" r:id="rId6"/>
+    <p:sldLayoutId id="2147483655" r:id="rId7"/>
+    <p:sldLayoutId id="2147483656" r:id="rId8"/>
+    <p:sldLayoutId id="2147483657" r:id="rId9"/>
+    <p:sldLayoutId id="2147483658" r:id="rId10"/>
+    <p:sldLayoutId id="2147483659" r:id="rId11"/>
   </p:sldLayoutIdLst>
   <p:txStyles>
     <p:titleStyle>
@@ -2859,7 +3207,7 @@
     </p:bodyStyle>
     <p:otherStyle>
       <a:defPPr>
-        <a:defRPr lang="en-US"/>
+        <a:defRPr lang="de-DE"/>
       </a:defPPr>
       <a:lvl1pPr marL="0" algn="l" defTabSz="914400" rtl="0" eaLnBrk="1" latinLnBrk="0" hangingPunct="1">
         <a:defRPr sz="1800" kern="1200">
@@ -2975,10 +3323,10 @@
       </p:grpSpPr>
       <p:sp>
         <p:nvSpPr>
-          <p:cNvPr id="3" name="Rechteck 2">
-            <a:extLst>
-              <a:ext uri="{FF2B5EF4-FFF2-40B4-BE49-F238E27FC236}">
-                <a16:creationId xmlns:a16="http://schemas.microsoft.com/office/drawing/2014/main" id="{13173A8C-6B80-0F10-AC90-AF343BE86AB8}"/>
+          <p:cNvPr id="4" name="Rechteck: abgerundete Ecken 3">
+            <a:extLst>
+              <a:ext uri="{FF2B5EF4-FFF2-40B4-BE49-F238E27FC236}">
+                <a16:creationId xmlns:a16="http://schemas.microsoft.com/office/drawing/2014/main" id="{E6B766D8-A6C5-72F7-9235-91CF23362A00}"/>
               </a:ext>
             </a:extLst>
           </p:cNvPr>
@@ -2987,549 +3335,8 @@
         </p:nvSpPr>
         <p:spPr>
           <a:xfrm>
-            <a:off x="114540" y="158892"/>
-            <a:ext cx="7256313" cy="6578324"/>
-          </a:xfrm>
-          <a:prstGeom prst="rect">
-            <a:avLst/>
-          </a:prstGeom>
-          <a:solidFill>
-            <a:schemeClr val="bg2">
-              <a:lumMod val="40000"/>
-              <a:lumOff val="60000"/>
-            </a:schemeClr>
-          </a:solidFill>
-        </p:spPr>
-        <p:style>
-          <a:lnRef idx="2">
-            <a:schemeClr val="accent1">
-              <a:shade val="15000"/>
-            </a:schemeClr>
-          </a:lnRef>
-          <a:fillRef idx="1">
-            <a:schemeClr val="accent1"/>
-          </a:fillRef>
-          <a:effectRef idx="0">
-            <a:schemeClr val="accent1"/>
-          </a:effectRef>
-          <a:fontRef idx="minor">
-            <a:schemeClr val="lt1"/>
-          </a:fontRef>
-        </p:style>
-        <p:txBody>
-          <a:bodyPr rtlCol="0" anchor="ctr"/>
-          <a:lstStyle/>
-          <a:p>
-            <a:pPr algn="ctr"/>
-            <a:endParaRPr lang="de-DE"/>
-          </a:p>
-        </p:txBody>
-      </p:sp>
-      <p:sp>
-        <p:nvSpPr>
-          <p:cNvPr id="5" name="Rechteck: abgerundete Ecken 4">
-            <a:extLst>
-              <a:ext uri="{FF2B5EF4-FFF2-40B4-BE49-F238E27FC236}">
-                <a16:creationId xmlns:a16="http://schemas.microsoft.com/office/drawing/2014/main" id="{4CE014B2-3DC5-E21C-A87D-ED0E2F1E2CFF}"/>
-              </a:ext>
-            </a:extLst>
-          </p:cNvPr>
-          <p:cNvSpPr/>
-          <p:nvPr/>
-        </p:nvSpPr>
-        <p:spPr>
-          <a:xfrm>
-            <a:off x="5032914" y="2711546"/>
-            <a:ext cx="2113472" cy="810883"/>
-          </a:xfrm>
-          <a:prstGeom prst="roundRect">
-            <a:avLst/>
-          </a:prstGeom>
-        </p:spPr>
-        <p:style>
-          <a:lnRef idx="2">
-            <a:schemeClr val="accent6">
-              <a:shade val="15000"/>
-            </a:schemeClr>
-          </a:lnRef>
-          <a:fillRef idx="1">
-            <a:schemeClr val="accent6"/>
-          </a:fillRef>
-          <a:effectRef idx="0">
-            <a:schemeClr val="accent6"/>
-          </a:effectRef>
-          <a:fontRef idx="minor">
-            <a:schemeClr val="lt1"/>
-          </a:fontRef>
-        </p:style>
-        <p:txBody>
-          <a:bodyPr rtlCol="0" anchor="ctr"/>
-          <a:lstStyle/>
-          <a:p>
-            <a:pPr algn="ctr"/>
-            <a:r>
-              <a:rPr lang="en-GB" dirty="0" err="1"/>
-              <a:t>Kartenmaterial</a:t>
-            </a:r>
-            <a:r>
-              <a:rPr lang="en-GB" dirty="0"/>
-              <a:t> von </a:t>
-            </a:r>
-            <a:r>
-              <a:rPr lang="en-GB" b="1" dirty="0"/>
-              <a:t>OpenStreetMap</a:t>
-            </a:r>
-          </a:p>
-        </p:txBody>
-      </p:sp>
-      <p:sp>
-        <p:nvSpPr>
-          <p:cNvPr id="7" name="Rechteck: abgerundete Ecken 6">
-            <a:extLst>
-              <a:ext uri="{FF2B5EF4-FFF2-40B4-BE49-F238E27FC236}">
-                <a16:creationId xmlns:a16="http://schemas.microsoft.com/office/drawing/2014/main" id="{22423634-A4CB-25BD-4792-A952346B929B}"/>
-              </a:ext>
-            </a:extLst>
-          </p:cNvPr>
-          <p:cNvSpPr/>
-          <p:nvPr/>
-        </p:nvSpPr>
-        <p:spPr>
-          <a:xfrm>
-            <a:off x="1194758" y="2711546"/>
-            <a:ext cx="2113472" cy="810883"/>
-          </a:xfrm>
-          <a:prstGeom prst="roundRect">
-            <a:avLst/>
-          </a:prstGeom>
-        </p:spPr>
-        <p:style>
-          <a:lnRef idx="2">
-            <a:schemeClr val="accent2">
-              <a:shade val="15000"/>
-            </a:schemeClr>
-          </a:lnRef>
-          <a:fillRef idx="1">
-            <a:schemeClr val="accent2"/>
-          </a:fillRef>
-          <a:effectRef idx="0">
-            <a:schemeClr val="accent2"/>
-          </a:effectRef>
-          <a:fontRef idx="minor">
-            <a:schemeClr val="lt1"/>
-          </a:fontRef>
-        </p:style>
-        <p:txBody>
-          <a:bodyPr rtlCol="0" anchor="ctr"/>
-          <a:lstStyle/>
-          <a:p>
-            <a:pPr algn="ctr"/>
-            <a:r>
-              <a:rPr lang="en-GB" dirty="0"/>
-              <a:t>Website (HTML, CSS, JS)</a:t>
-            </a:r>
-          </a:p>
-        </p:txBody>
-      </p:sp>
-      <p:sp>
-        <p:nvSpPr>
-          <p:cNvPr id="8" name="Rechteck: abgerundete Ecken 7">
-            <a:extLst>
-              <a:ext uri="{FF2B5EF4-FFF2-40B4-BE49-F238E27FC236}">
-                <a16:creationId xmlns:a16="http://schemas.microsoft.com/office/drawing/2014/main" id="{E2C85DD5-C6B2-0DCD-789A-D444DB16B050}"/>
-              </a:ext>
-            </a:extLst>
-          </p:cNvPr>
-          <p:cNvSpPr/>
-          <p:nvPr/>
-        </p:nvSpPr>
-        <p:spPr>
-          <a:xfrm>
-            <a:off x="5039264" y="5926332"/>
-            <a:ext cx="2113472" cy="810883"/>
-          </a:xfrm>
-          <a:prstGeom prst="roundRect">
-            <a:avLst/>
-          </a:prstGeom>
-        </p:spPr>
-        <p:style>
-          <a:lnRef idx="2">
-            <a:schemeClr val="accent6">
-              <a:shade val="15000"/>
-            </a:schemeClr>
-          </a:lnRef>
-          <a:fillRef idx="1">
-            <a:schemeClr val="accent6"/>
-          </a:fillRef>
-          <a:effectRef idx="0">
-            <a:schemeClr val="accent6"/>
-          </a:effectRef>
-          <a:fontRef idx="minor">
-            <a:schemeClr val="lt1"/>
-          </a:fontRef>
-        </p:style>
-        <p:txBody>
-          <a:bodyPr rtlCol="0" anchor="ctr"/>
-          <a:lstStyle/>
-          <a:p>
-            <a:pPr algn="ctr"/>
-            <a:r>
-              <a:rPr lang="en-GB" b="1" dirty="0"/>
-              <a:t>Python</a:t>
-            </a:r>
-          </a:p>
-        </p:txBody>
-      </p:sp>
-      <p:sp>
-        <p:nvSpPr>
-          <p:cNvPr id="2" name="Rechteck 1">
-            <a:extLst>
-              <a:ext uri="{FF2B5EF4-FFF2-40B4-BE49-F238E27FC236}">
-                <a16:creationId xmlns:a16="http://schemas.microsoft.com/office/drawing/2014/main" id="{265A389C-D63C-50FF-B15B-0E5864A3E7A8}"/>
-              </a:ext>
-            </a:extLst>
-          </p:cNvPr>
-          <p:cNvSpPr/>
-          <p:nvPr/>
-        </p:nvSpPr>
-        <p:spPr>
-          <a:xfrm>
-            <a:off x="7378460" y="158892"/>
-            <a:ext cx="4699000" cy="6578324"/>
-          </a:xfrm>
-          <a:prstGeom prst="rect">
-            <a:avLst/>
-          </a:prstGeom>
-          <a:solidFill>
-            <a:schemeClr val="accent6">
-              <a:lumMod val="40000"/>
-              <a:lumOff val="60000"/>
-            </a:schemeClr>
-          </a:solidFill>
-        </p:spPr>
-        <p:style>
-          <a:lnRef idx="2">
-            <a:schemeClr val="accent1">
-              <a:shade val="15000"/>
-            </a:schemeClr>
-          </a:lnRef>
-          <a:fillRef idx="1">
-            <a:schemeClr val="accent1"/>
-          </a:fillRef>
-          <a:effectRef idx="0">
-            <a:schemeClr val="accent1"/>
-          </a:effectRef>
-          <a:fontRef idx="minor">
-            <a:schemeClr val="lt1"/>
-          </a:fontRef>
-        </p:style>
-        <p:txBody>
-          <a:bodyPr rtlCol="0" anchor="ctr"/>
-          <a:lstStyle/>
-          <a:p>
-            <a:pPr algn="ctr"/>
-            <a:endParaRPr lang="de-DE"/>
-          </a:p>
-        </p:txBody>
-      </p:sp>
-      <p:sp>
-        <p:nvSpPr>
-          <p:cNvPr id="10" name="Rechteck: abgerundete Ecken 9">
-            <a:extLst>
-              <a:ext uri="{FF2B5EF4-FFF2-40B4-BE49-F238E27FC236}">
-                <a16:creationId xmlns:a16="http://schemas.microsoft.com/office/drawing/2014/main" id="{B9011C52-D7AC-DB46-CB34-65D5C21CF5F7}"/>
-              </a:ext>
-            </a:extLst>
-          </p:cNvPr>
-          <p:cNvSpPr/>
-          <p:nvPr/>
-        </p:nvSpPr>
-        <p:spPr>
-          <a:xfrm>
-            <a:off x="1194758" y="3887656"/>
-            <a:ext cx="2113472" cy="810883"/>
-          </a:xfrm>
-          <a:prstGeom prst="roundRect">
-            <a:avLst/>
-          </a:prstGeom>
-          <a:solidFill>
-            <a:srgbClr val="FF0000"/>
-          </a:solidFill>
-        </p:spPr>
-        <p:style>
-          <a:lnRef idx="2">
-            <a:schemeClr val="accent3">
-              <a:shade val="15000"/>
-            </a:schemeClr>
-          </a:lnRef>
-          <a:fillRef idx="1">
-            <a:schemeClr val="accent3"/>
-          </a:fillRef>
-          <a:effectRef idx="0">
-            <a:schemeClr val="accent3"/>
-          </a:effectRef>
-          <a:fontRef idx="minor">
-            <a:schemeClr val="lt1"/>
-          </a:fontRef>
-        </p:style>
-        <p:txBody>
-          <a:bodyPr rtlCol="0" anchor="ctr"/>
-          <a:lstStyle/>
-          <a:p>
-            <a:pPr algn="ctr"/>
-            <a:r>
-              <a:rPr lang="en-GB" b="1" dirty="0"/>
-              <a:t>Jinja2</a:t>
-            </a:r>
-            <a:r>
-              <a:rPr lang="en-GB" dirty="0"/>
-              <a:t> </a:t>
-            </a:r>
-            <a:r>
-              <a:rPr lang="en-GB" dirty="0" err="1"/>
-              <a:t>als</a:t>
-            </a:r>
-            <a:r>
-              <a:rPr lang="en-GB" dirty="0"/>
-              <a:t> Template Engine</a:t>
-            </a:r>
-          </a:p>
-        </p:txBody>
-      </p:sp>
-      <p:sp>
-        <p:nvSpPr>
-          <p:cNvPr id="11" name="Rechteck: abgerundete Ecken 10">
-            <a:extLst>
-              <a:ext uri="{FF2B5EF4-FFF2-40B4-BE49-F238E27FC236}">
-                <a16:creationId xmlns:a16="http://schemas.microsoft.com/office/drawing/2014/main" id="{1E9E0739-CF3C-C006-05C6-4E9A77D869EF}"/>
-              </a:ext>
-            </a:extLst>
-          </p:cNvPr>
-          <p:cNvSpPr/>
-          <p:nvPr/>
-        </p:nvSpPr>
-        <p:spPr>
-          <a:xfrm>
-            <a:off x="2401018" y="5164364"/>
-            <a:ext cx="2113472" cy="810883"/>
-          </a:xfrm>
-          <a:prstGeom prst="roundRect">
-            <a:avLst/>
-          </a:prstGeom>
-        </p:spPr>
-        <p:style>
-          <a:lnRef idx="2">
-            <a:schemeClr val="accent3">
-              <a:shade val="15000"/>
-            </a:schemeClr>
-          </a:lnRef>
-          <a:fillRef idx="1">
-            <a:schemeClr val="accent3"/>
-          </a:fillRef>
-          <a:effectRef idx="0">
-            <a:schemeClr val="accent3"/>
-          </a:effectRef>
-          <a:fontRef idx="minor">
-            <a:schemeClr val="lt1"/>
-          </a:fontRef>
-        </p:style>
-        <p:txBody>
-          <a:bodyPr rtlCol="0" anchor="ctr"/>
-          <a:lstStyle/>
-          <a:p>
-            <a:pPr algn="ctr"/>
-            <a:r>
-              <a:rPr lang="en-GB" b="1" dirty="0"/>
-              <a:t>Flask</a:t>
-            </a:r>
-            <a:r>
-              <a:rPr lang="en-GB" dirty="0"/>
-              <a:t> </a:t>
-            </a:r>
-            <a:r>
-              <a:rPr lang="en-GB" dirty="0" err="1"/>
-              <a:t>als</a:t>
-            </a:r>
-            <a:r>
-              <a:rPr lang="en-GB" dirty="0"/>
-              <a:t> </a:t>
-            </a:r>
-            <a:r>
-              <a:rPr lang="en-GB" dirty="0" err="1"/>
-              <a:t>Webframework</a:t>
-            </a:r>
-            <a:endParaRPr lang="en-GB" dirty="0"/>
-          </a:p>
-        </p:txBody>
-      </p:sp>
-      <p:sp>
-        <p:nvSpPr>
-          <p:cNvPr id="12" name="Rechteck: abgerundete Ecken 11">
-            <a:extLst>
-              <a:ext uri="{FF2B5EF4-FFF2-40B4-BE49-F238E27FC236}">
-                <a16:creationId xmlns:a16="http://schemas.microsoft.com/office/drawing/2014/main" id="{23262F97-F9B6-1085-2415-20B7E87638C9}"/>
-              </a:ext>
-            </a:extLst>
-          </p:cNvPr>
-          <p:cNvSpPr/>
-          <p:nvPr/>
-        </p:nvSpPr>
-        <p:spPr>
-          <a:xfrm>
-            <a:off x="7677510" y="5164364"/>
-            <a:ext cx="2113472" cy="810883"/>
-          </a:xfrm>
-          <a:prstGeom prst="roundRect">
-            <a:avLst/>
-          </a:prstGeom>
-        </p:spPr>
-        <p:style>
-          <a:lnRef idx="2">
-            <a:schemeClr val="accent3">
-              <a:shade val="15000"/>
-            </a:schemeClr>
-          </a:lnRef>
-          <a:fillRef idx="1">
-            <a:schemeClr val="accent3"/>
-          </a:fillRef>
-          <a:effectRef idx="0">
-            <a:schemeClr val="accent3"/>
-          </a:effectRef>
-          <a:fontRef idx="minor">
-            <a:schemeClr val="lt1"/>
-          </a:fontRef>
-        </p:style>
-        <p:txBody>
-          <a:bodyPr rtlCol="0" anchor="ctr"/>
-          <a:lstStyle/>
-          <a:p>
-            <a:pPr algn="ctr"/>
-            <a:r>
-              <a:rPr lang="en-GB" b="1" dirty="0"/>
-              <a:t>PostgreSQL</a:t>
-            </a:r>
-            <a:endParaRPr lang="en-GB" dirty="0"/>
-          </a:p>
-        </p:txBody>
-      </p:sp>
-      <p:grpSp>
-        <p:nvGrpSpPr>
-          <p:cNvPr id="18" name="Gruppieren 17">
-            <a:extLst>
-              <a:ext uri="{FF2B5EF4-FFF2-40B4-BE49-F238E27FC236}">
-                <a16:creationId xmlns:a16="http://schemas.microsoft.com/office/drawing/2014/main" id="{3C8A8A1E-29DD-554C-0C32-581A9A8CE60E}"/>
-              </a:ext>
-            </a:extLst>
-          </p:cNvPr>
-          <p:cNvGrpSpPr/>
-          <p:nvPr/>
-        </p:nvGrpSpPr>
-        <p:grpSpPr>
-          <a:xfrm>
-            <a:off x="9594247" y="2987453"/>
-            <a:ext cx="1863306" cy="1800406"/>
-            <a:chOff x="9542489" y="3112954"/>
-            <a:chExt cx="1863306" cy="1800406"/>
-          </a:xfrm>
-          <a:solidFill>
-            <a:schemeClr val="accent1"/>
-          </a:solidFill>
-        </p:grpSpPr>
-        <p:pic>
-          <p:nvPicPr>
-            <p:cNvPr id="16" name="Grafik 15" descr="Datenbank mit einfarbiger Füllung">
-              <a:extLst>
-                <a:ext uri="{FF2B5EF4-FFF2-40B4-BE49-F238E27FC236}">
-                  <a16:creationId xmlns:a16="http://schemas.microsoft.com/office/drawing/2014/main" id="{98BDE2A7-5CB1-DABC-CCA0-F85CB22F8F4F}"/>
-                </a:ext>
-              </a:extLst>
-            </p:cNvPr>
-            <p:cNvPicPr>
-              <a:picLocks noChangeAspect="1"/>
-            </p:cNvPicPr>
-            <p:nvPr/>
-          </p:nvPicPr>
-          <p:blipFill>
-            <a:blip r:embed="rId2">
-              <a:extLst>
-                <a:ext uri="{28A0092B-C50C-407E-A947-70E740481C1C}">
-                  <a14:useLocalDpi xmlns:a14="http://schemas.microsoft.com/office/drawing/2010/main" val="0"/>
-                </a:ext>
-                <a:ext uri="{96DAC541-7B7A-43D3-8B79-37D633B846F1}">
-                  <asvg:svgBlip xmlns:asvg="http://schemas.microsoft.com/office/drawing/2016/SVG/main" r:embed="rId3"/>
-                </a:ext>
-              </a:extLst>
-            </a:blip>
-            <a:stretch>
-              <a:fillRect/>
-            </a:stretch>
-          </p:blipFill>
-          <p:spPr>
-            <a:xfrm>
-              <a:off x="9699441" y="3112954"/>
-              <a:ext cx="1549403" cy="1549403"/>
-            </a:xfrm>
-            <a:prstGeom prst="rect">
-              <a:avLst/>
-            </a:prstGeom>
-          </p:spPr>
-        </p:pic>
-        <p:sp>
-          <p:nvSpPr>
-            <p:cNvPr id="17" name="Textfeld 16">
-              <a:extLst>
-                <a:ext uri="{FF2B5EF4-FFF2-40B4-BE49-F238E27FC236}">
-                  <a16:creationId xmlns:a16="http://schemas.microsoft.com/office/drawing/2014/main" id="{B9309F74-3C84-E3E7-5BCB-8A89D3730380}"/>
-                </a:ext>
-              </a:extLst>
-            </p:cNvPr>
-            <p:cNvSpPr txBox="1"/>
-            <p:nvPr/>
-          </p:nvSpPr>
-          <p:spPr>
-            <a:xfrm>
-              <a:off x="9542489" y="4544028"/>
-              <a:ext cx="1863306" cy="369332"/>
-            </a:xfrm>
-            <a:prstGeom prst="rect">
-              <a:avLst/>
-            </a:prstGeom>
-            <a:noFill/>
-            <a:ln>
-              <a:noFill/>
-            </a:ln>
-          </p:spPr>
-          <p:txBody>
-            <a:bodyPr wrap="square" rtlCol="0">
-              <a:spAutoFit/>
-            </a:bodyPr>
-            <a:lstStyle/>
-            <a:p>
-              <a:pPr algn="ctr"/>
-              <a:r>
-                <a:rPr lang="en-GB" b="1" dirty="0"/>
-                <a:t>DB</a:t>
-              </a:r>
-            </a:p>
-          </p:txBody>
-        </p:sp>
-      </p:grpSp>
-      <p:sp>
-        <p:nvSpPr>
-          <p:cNvPr id="19" name="Rechteck: abgerundete Ecken 18">
-            <a:extLst>
-              <a:ext uri="{FF2B5EF4-FFF2-40B4-BE49-F238E27FC236}">
-                <a16:creationId xmlns:a16="http://schemas.microsoft.com/office/drawing/2014/main" id="{7D6B2454-8D89-1885-0678-0D07F423C807}"/>
-              </a:ext>
-            </a:extLst>
-          </p:cNvPr>
-          <p:cNvSpPr/>
-          <p:nvPr/>
-        </p:nvSpPr>
-        <p:spPr>
-          <a:xfrm>
-            <a:off x="9834112" y="921013"/>
-            <a:ext cx="2113472" cy="810883"/>
+            <a:off x="3129119" y="5840802"/>
+            <a:ext cx="1164567" cy="603849"/>
           </a:xfrm>
           <a:prstGeom prst="roundRect">
             <a:avLst/>
@@ -3557,23 +3364,19 @@
           <a:p>
             <a:pPr algn="ctr"/>
             <a:r>
-              <a:rPr lang="en-GB" dirty="0"/>
-              <a:t>Login-</a:t>
-            </a:r>
-            <a:r>
-              <a:rPr lang="en-GB" dirty="0" err="1"/>
-              <a:t>Daten</a:t>
-            </a:r>
-            <a:endParaRPr lang="en-GB" b="1" dirty="0"/>
-          </a:p>
-        </p:txBody>
-      </p:sp>
-      <p:sp>
-        <p:nvSpPr>
-          <p:cNvPr id="20" name="Rechteck: abgerundete Ecken 19">
-            <a:extLst>
-              <a:ext uri="{FF2B5EF4-FFF2-40B4-BE49-F238E27FC236}">
-                <a16:creationId xmlns:a16="http://schemas.microsoft.com/office/drawing/2014/main" id="{C3F38402-0882-DE72-E43B-3558A91BE971}"/>
+              <a:rPr lang="de-DE"/>
+              <a:t>Python</a:t>
+            </a:r>
+            <a:endParaRPr lang="de-DE" dirty="0"/>
+          </a:p>
+        </p:txBody>
+      </p:sp>
+      <p:sp>
+        <p:nvSpPr>
+          <p:cNvPr id="5" name="Rechteck: abgerundete Ecken 4">
+            <a:extLst>
+              <a:ext uri="{FF2B5EF4-FFF2-40B4-BE49-F238E27FC236}">
+                <a16:creationId xmlns:a16="http://schemas.microsoft.com/office/drawing/2014/main" id="{59478B41-C0BD-B8A1-DC9A-47D2953F669A}"/>
               </a:ext>
             </a:extLst>
           </p:cNvPr>
@@ -3582,12 +3385,204 @@
         </p:nvSpPr>
         <p:spPr>
           <a:xfrm>
-            <a:off x="9841719" y="1746670"/>
-            <a:ext cx="2113472" cy="810883"/>
+            <a:off x="3129119" y="4385334"/>
+            <a:ext cx="1164567" cy="603849"/>
           </a:xfrm>
           <a:prstGeom prst="roundRect">
             <a:avLst/>
           </a:prstGeom>
+        </p:spPr>
+        <p:style>
+          <a:lnRef idx="2">
+            <a:schemeClr val="accent5">
+              <a:shade val="15000"/>
+            </a:schemeClr>
+          </a:lnRef>
+          <a:fillRef idx="1">
+            <a:schemeClr val="accent5"/>
+          </a:fillRef>
+          <a:effectRef idx="0">
+            <a:schemeClr val="accent5"/>
+          </a:effectRef>
+          <a:fontRef idx="minor">
+            <a:schemeClr val="lt1"/>
+          </a:fontRef>
+        </p:style>
+        <p:txBody>
+          <a:bodyPr rtlCol="0" anchor="ctr"/>
+          <a:lstStyle/>
+          <a:p>
+            <a:pPr algn="ctr"/>
+            <a:r>
+              <a:rPr lang="de-DE" dirty="0"/>
+              <a:t>Python </a:t>
+            </a:r>
+            <a:r>
+              <a:rPr lang="de-DE" dirty="0" err="1"/>
+              <a:t>Flask</a:t>
+            </a:r>
+            <a:endParaRPr lang="de-DE" dirty="0"/>
+          </a:p>
+        </p:txBody>
+      </p:sp>
+      <p:sp>
+        <p:nvSpPr>
+          <p:cNvPr id="6" name="Rechteck: abgerundete Ecken 5">
+            <a:extLst>
+              <a:ext uri="{FF2B5EF4-FFF2-40B4-BE49-F238E27FC236}">
+                <a16:creationId xmlns:a16="http://schemas.microsoft.com/office/drawing/2014/main" id="{3682F6C1-D719-8973-8BBB-51E3EDFD0AF9}"/>
+              </a:ext>
+            </a:extLst>
+          </p:cNvPr>
+          <p:cNvSpPr/>
+          <p:nvPr/>
+        </p:nvSpPr>
+        <p:spPr>
+          <a:xfrm>
+            <a:off x="3129120" y="3129416"/>
+            <a:ext cx="1164567" cy="603849"/>
+          </a:xfrm>
+          <a:prstGeom prst="roundRect">
+            <a:avLst/>
+          </a:prstGeom>
+        </p:spPr>
+        <p:style>
+          <a:lnRef idx="2">
+            <a:schemeClr val="accent5">
+              <a:shade val="15000"/>
+            </a:schemeClr>
+          </a:lnRef>
+          <a:fillRef idx="1">
+            <a:schemeClr val="accent5"/>
+          </a:fillRef>
+          <a:effectRef idx="0">
+            <a:schemeClr val="accent5"/>
+          </a:effectRef>
+          <a:fontRef idx="minor">
+            <a:schemeClr val="lt1"/>
+          </a:fontRef>
+        </p:style>
+        <p:txBody>
+          <a:bodyPr rtlCol="0" anchor="ctr"/>
+          <a:lstStyle/>
+          <a:p>
+            <a:pPr algn="ctr"/>
+            <a:r>
+              <a:rPr lang="de-DE" dirty="0"/>
+              <a:t>Jinja2</a:t>
+            </a:r>
+          </a:p>
+        </p:txBody>
+      </p:sp>
+      <p:pic>
+        <p:nvPicPr>
+          <p:cNvPr id="8" name="Grafik 7" descr="Datenbank mit einfarbiger Füllung">
+            <a:extLst>
+              <a:ext uri="{FF2B5EF4-FFF2-40B4-BE49-F238E27FC236}">
+                <a16:creationId xmlns:a16="http://schemas.microsoft.com/office/drawing/2014/main" id="{1AC780A7-53F3-82D3-FC29-61A751D2C014}"/>
+              </a:ext>
+            </a:extLst>
+          </p:cNvPr>
+          <p:cNvPicPr>
+            <a:picLocks noChangeAspect="1"/>
+          </p:cNvPicPr>
+          <p:nvPr/>
+        </p:nvPicPr>
+        <p:blipFill>
+          <a:blip r:embed="rId2">
+            <a:extLst>
+              <a:ext uri="{28A0092B-C50C-407E-A947-70E740481C1C}">
+                <a14:useLocalDpi xmlns:a14="http://schemas.microsoft.com/office/drawing/2010/main" val="0"/>
+              </a:ext>
+              <a:ext uri="{96DAC541-7B7A-43D3-8B79-37D633B846F1}">
+                <asvg:svgBlip xmlns:asvg="http://schemas.microsoft.com/office/drawing/2016/SVG/main" r:embed="rId3"/>
+              </a:ext>
+            </a:extLst>
+          </a:blip>
+          <a:stretch>
+            <a:fillRect/>
+          </a:stretch>
+        </p:blipFill>
+        <p:spPr>
+          <a:xfrm>
+            <a:off x="8024719" y="2837171"/>
+            <a:ext cx="1247884" cy="1183657"/>
+          </a:xfrm>
+          <a:prstGeom prst="rect">
+            <a:avLst/>
+          </a:prstGeom>
+        </p:spPr>
+      </p:pic>
+      <p:sp>
+        <p:nvSpPr>
+          <p:cNvPr id="9" name="Textfeld 8">
+            <a:extLst>
+              <a:ext uri="{FF2B5EF4-FFF2-40B4-BE49-F238E27FC236}">
+                <a16:creationId xmlns:a16="http://schemas.microsoft.com/office/drawing/2014/main" id="{21D2FBF1-D50C-3220-EBEA-D5DFAD19A8CF}"/>
+              </a:ext>
+            </a:extLst>
+          </p:cNvPr>
+          <p:cNvSpPr txBox="1"/>
+          <p:nvPr/>
+        </p:nvSpPr>
+        <p:spPr>
+          <a:xfrm>
+            <a:off x="7898312" y="3956729"/>
+            <a:ext cx="1500701" cy="646331"/>
+          </a:xfrm>
+          <a:prstGeom prst="rect">
+            <a:avLst/>
+          </a:prstGeom>
+          <a:noFill/>
+          <a:ln>
+            <a:noFill/>
+          </a:ln>
+        </p:spPr>
+        <p:txBody>
+          <a:bodyPr wrap="square" rtlCol="0">
+            <a:spAutoFit/>
+          </a:bodyPr>
+          <a:lstStyle/>
+          <a:p>
+            <a:pPr algn="ctr"/>
+            <a:r>
+              <a:rPr lang="en-GB" dirty="0"/>
+              <a:t>DB </a:t>
+            </a:r>
+            <a:r>
+              <a:rPr lang="en-GB" dirty="0" err="1"/>
+              <a:t>mit</a:t>
+            </a:r>
+            <a:r>
+              <a:rPr lang="en-GB" dirty="0"/>
+              <a:t> PostgreSQL</a:t>
+            </a:r>
+          </a:p>
+        </p:txBody>
+      </p:sp>
+      <p:sp>
+        <p:nvSpPr>
+          <p:cNvPr id="10" name="Rechteck: abgerundete Ecken 9">
+            <a:extLst>
+              <a:ext uri="{FF2B5EF4-FFF2-40B4-BE49-F238E27FC236}">
+                <a16:creationId xmlns:a16="http://schemas.microsoft.com/office/drawing/2014/main" id="{278BEE7E-6F5F-3EE2-B0F8-8804D90C9527}"/>
+              </a:ext>
+            </a:extLst>
+          </p:cNvPr>
+          <p:cNvSpPr/>
+          <p:nvPr/>
+        </p:nvSpPr>
+        <p:spPr>
+          <a:xfrm>
+            <a:off x="5513716" y="3127075"/>
+            <a:ext cx="1164567" cy="603849"/>
+          </a:xfrm>
+          <a:prstGeom prst="roundRect">
+            <a:avLst/>
+          </a:prstGeom>
+          <a:solidFill>
+            <a:schemeClr val="accent2"/>
+          </a:solidFill>
         </p:spPr>
         <p:style>
           <a:lnRef idx="2">
@@ -3611,43 +3606,326 @@
           <a:p>
             <a:pPr algn="ctr"/>
             <a:r>
+              <a:rPr lang="de-DE" dirty="0" err="1"/>
+              <a:t>Grafana</a:t>
+            </a:r>
+            <a:endParaRPr lang="de-DE" dirty="0"/>
+          </a:p>
+        </p:txBody>
+      </p:sp>
+      <p:sp>
+        <p:nvSpPr>
+          <p:cNvPr id="17" name="Rechteck: abgerundete Ecken 16">
+            <a:extLst>
+              <a:ext uri="{FF2B5EF4-FFF2-40B4-BE49-F238E27FC236}">
+                <a16:creationId xmlns:a16="http://schemas.microsoft.com/office/drawing/2014/main" id="{B8120F4D-487B-AD7E-ED19-B403A603B093}"/>
+              </a:ext>
+            </a:extLst>
+          </p:cNvPr>
+          <p:cNvSpPr/>
+          <p:nvPr/>
+        </p:nvSpPr>
+        <p:spPr>
+          <a:xfrm>
+            <a:off x="1326807" y="3127074"/>
+            <a:ext cx="1164567" cy="603849"/>
+          </a:xfrm>
+          <a:prstGeom prst="roundRect">
+            <a:avLst/>
+          </a:prstGeom>
+          <a:solidFill>
+            <a:schemeClr val="accent1">
+              <a:lumMod val="60000"/>
+              <a:lumOff val="40000"/>
+            </a:schemeClr>
+          </a:solidFill>
+        </p:spPr>
+        <p:style>
+          <a:lnRef idx="2">
+            <a:schemeClr val="accent5">
+              <a:shade val="15000"/>
+            </a:schemeClr>
+          </a:lnRef>
+          <a:fillRef idx="1">
+            <a:schemeClr val="accent5"/>
+          </a:fillRef>
+          <a:effectRef idx="0">
+            <a:schemeClr val="accent5"/>
+          </a:effectRef>
+          <a:fontRef idx="minor">
+            <a:schemeClr val="lt1"/>
+          </a:fontRef>
+        </p:style>
+        <p:txBody>
+          <a:bodyPr rtlCol="0" anchor="ctr"/>
+          <a:lstStyle/>
+          <a:p>
+            <a:pPr algn="ctr"/>
+            <a:r>
+              <a:rPr lang="de-DE" dirty="0"/>
+              <a:t>HTML, CSS, JS</a:t>
+            </a:r>
+          </a:p>
+        </p:txBody>
+      </p:sp>
+      <p:pic>
+        <p:nvPicPr>
+          <p:cNvPr id="19" name="Grafik 18" descr="Internet mit einfarbiger Füllung">
+            <a:extLst>
+              <a:ext uri="{FF2B5EF4-FFF2-40B4-BE49-F238E27FC236}">
+                <a16:creationId xmlns:a16="http://schemas.microsoft.com/office/drawing/2014/main" id="{F4E199E3-7422-92B2-FE9C-8D6638A9771F}"/>
+              </a:ext>
+            </a:extLst>
+          </p:cNvPr>
+          <p:cNvPicPr>
+            <a:picLocks noChangeAspect="1"/>
+          </p:cNvPicPr>
+          <p:nvPr/>
+        </p:nvPicPr>
+        <p:blipFill>
+          <a:blip r:embed="rId4">
+            <a:extLst>
+              <a:ext uri="{28A0092B-C50C-407E-A947-70E740481C1C}">
+                <a14:useLocalDpi xmlns:a14="http://schemas.microsoft.com/office/drawing/2010/main" val="0"/>
+              </a:ext>
+              <a:ext uri="{96DAC541-7B7A-43D3-8B79-37D633B846F1}">
+                <asvg:svgBlip xmlns:asvg="http://schemas.microsoft.com/office/drawing/2016/SVG/main" r:embed="rId5"/>
+              </a:ext>
+            </a:extLst>
+          </a:blip>
+          <a:stretch>
+            <a:fillRect/>
+          </a:stretch>
+        </p:blipFill>
+        <p:spPr>
+          <a:xfrm>
+            <a:off x="3254202" y="1431782"/>
+            <a:ext cx="914400" cy="914400"/>
+          </a:xfrm>
+          <a:prstGeom prst="rect">
+            <a:avLst/>
+          </a:prstGeom>
+        </p:spPr>
+      </p:pic>
+      <p:sp>
+        <p:nvSpPr>
+          <p:cNvPr id="20" name="Textfeld 19">
+            <a:extLst>
+              <a:ext uri="{FF2B5EF4-FFF2-40B4-BE49-F238E27FC236}">
+                <a16:creationId xmlns:a16="http://schemas.microsoft.com/office/drawing/2014/main" id="{22B3734E-1D25-2D42-D112-47CA747AAAB9}"/>
+              </a:ext>
+            </a:extLst>
+          </p:cNvPr>
+          <p:cNvSpPr txBox="1"/>
+          <p:nvPr/>
+        </p:nvSpPr>
+        <p:spPr>
+          <a:xfrm>
+            <a:off x="3298652" y="2346182"/>
+            <a:ext cx="825500" cy="369332"/>
+          </a:xfrm>
+          <a:prstGeom prst="rect">
+            <a:avLst/>
+          </a:prstGeom>
+          <a:noFill/>
+          <a:ln>
+            <a:noFill/>
+          </a:ln>
+        </p:spPr>
+        <p:txBody>
+          <a:bodyPr wrap="square" rtlCol="0">
+            <a:spAutoFit/>
+          </a:bodyPr>
+          <a:lstStyle/>
+          <a:p>
+            <a:pPr algn="ctr"/>
+            <a:r>
               <a:rPr lang="en-GB" dirty="0"/>
-              <a:t>Chats</a:t>
-            </a:r>
-            <a:endParaRPr lang="en-GB" b="1" dirty="0"/>
+              <a:t>App</a:t>
+            </a:r>
+          </a:p>
+        </p:txBody>
+      </p:sp>
+      <p:pic>
+        <p:nvPicPr>
+          <p:cNvPr id="23" name="Grafik 22" descr="Abwärtstrend-Diagramm mit einfarbiger Füllung">
+            <a:extLst>
+              <a:ext uri="{FF2B5EF4-FFF2-40B4-BE49-F238E27FC236}">
+                <a16:creationId xmlns:a16="http://schemas.microsoft.com/office/drawing/2014/main" id="{FA5D8E1F-C361-493D-F43F-3069A9BC5C28}"/>
+              </a:ext>
+            </a:extLst>
+          </p:cNvPr>
+          <p:cNvPicPr>
+            <a:picLocks noChangeAspect="1"/>
+          </p:cNvPicPr>
+          <p:nvPr/>
+        </p:nvPicPr>
+        <p:blipFill>
+          <a:blip r:embed="rId6">
+            <a:extLst>
+              <a:ext uri="{28A0092B-C50C-407E-A947-70E740481C1C}">
+                <a14:useLocalDpi xmlns:a14="http://schemas.microsoft.com/office/drawing/2010/main" val="0"/>
+              </a:ext>
+              <a:ext uri="{96DAC541-7B7A-43D3-8B79-37D633B846F1}">
+                <asvg:svgBlip xmlns:asvg="http://schemas.microsoft.com/office/drawing/2016/SVG/main" r:embed="rId7"/>
+              </a:ext>
+            </a:extLst>
+          </a:blip>
+          <a:stretch>
+            <a:fillRect/>
+          </a:stretch>
+        </p:blipFill>
+        <p:spPr>
+          <a:xfrm>
+            <a:off x="5638798" y="1431782"/>
+            <a:ext cx="914400" cy="914400"/>
+          </a:xfrm>
+          <a:prstGeom prst="rect">
+            <a:avLst/>
+          </a:prstGeom>
+        </p:spPr>
+      </p:pic>
+      <p:sp>
+        <p:nvSpPr>
+          <p:cNvPr id="24" name="Textfeld 23">
+            <a:extLst>
+              <a:ext uri="{FF2B5EF4-FFF2-40B4-BE49-F238E27FC236}">
+                <a16:creationId xmlns:a16="http://schemas.microsoft.com/office/drawing/2014/main" id="{0858C635-59FB-DB9A-F8DE-F9ABE7DC4B52}"/>
+              </a:ext>
+            </a:extLst>
+          </p:cNvPr>
+          <p:cNvSpPr txBox="1"/>
+          <p:nvPr/>
+        </p:nvSpPr>
+        <p:spPr>
+          <a:xfrm>
+            <a:off x="5414874" y="2346182"/>
+            <a:ext cx="1362249" cy="369332"/>
+          </a:xfrm>
+          <a:prstGeom prst="rect">
+            <a:avLst/>
+          </a:prstGeom>
+          <a:noFill/>
+          <a:ln>
+            <a:noFill/>
+          </a:ln>
+        </p:spPr>
+        <p:txBody>
+          <a:bodyPr wrap="square" rtlCol="0">
+            <a:spAutoFit/>
+          </a:bodyPr>
+          <a:lstStyle/>
+          <a:p>
+            <a:pPr algn="ctr"/>
+            <a:r>
+              <a:rPr lang="en-GB" dirty="0"/>
+              <a:t>Dashboards</a:t>
+            </a:r>
+          </a:p>
+        </p:txBody>
+      </p:sp>
+      <p:pic>
+        <p:nvPicPr>
+          <p:cNvPr id="26" name="Grafik 25" descr="Dokument mit einfarbiger Füllung">
+            <a:extLst>
+              <a:ext uri="{FF2B5EF4-FFF2-40B4-BE49-F238E27FC236}">
+                <a16:creationId xmlns:a16="http://schemas.microsoft.com/office/drawing/2014/main" id="{6AEEE2ED-76E8-314C-D08F-57EFBC84627C}"/>
+              </a:ext>
+            </a:extLst>
+          </p:cNvPr>
+          <p:cNvPicPr>
+            <a:picLocks noChangeAspect="1"/>
+          </p:cNvPicPr>
+          <p:nvPr/>
+        </p:nvPicPr>
+        <p:blipFill>
+          <a:blip r:embed="rId8">
+            <a:extLst>
+              <a:ext uri="{28A0092B-C50C-407E-A947-70E740481C1C}">
+                <a14:useLocalDpi xmlns:a14="http://schemas.microsoft.com/office/drawing/2010/main" val="0"/>
+              </a:ext>
+              <a:ext uri="{96DAC541-7B7A-43D3-8B79-37D633B846F1}">
+                <asvg:svgBlip xmlns:asvg="http://schemas.microsoft.com/office/drawing/2016/SVG/main" r:embed="rId9"/>
+              </a:ext>
+            </a:extLst>
+          </a:blip>
+          <a:stretch>
+            <a:fillRect/>
+          </a:stretch>
+        </p:blipFill>
+        <p:spPr>
+          <a:xfrm>
+            <a:off x="8191462" y="1431782"/>
+            <a:ext cx="914400" cy="914400"/>
+          </a:xfrm>
+          <a:prstGeom prst="rect">
+            <a:avLst/>
+          </a:prstGeom>
+        </p:spPr>
+      </p:pic>
+      <p:sp>
+        <p:nvSpPr>
+          <p:cNvPr id="27" name="Textfeld 26">
+            <a:extLst>
+              <a:ext uri="{FF2B5EF4-FFF2-40B4-BE49-F238E27FC236}">
+                <a16:creationId xmlns:a16="http://schemas.microsoft.com/office/drawing/2014/main" id="{900261C8-86F6-EAB0-3B6E-87DD2F36B270}"/>
+              </a:ext>
+            </a:extLst>
+          </p:cNvPr>
+          <p:cNvSpPr txBox="1"/>
+          <p:nvPr/>
+        </p:nvSpPr>
+        <p:spPr>
+          <a:xfrm>
+            <a:off x="7967537" y="2341161"/>
+            <a:ext cx="1362249" cy="369332"/>
+          </a:xfrm>
+          <a:prstGeom prst="rect">
+            <a:avLst/>
+          </a:prstGeom>
+          <a:noFill/>
+          <a:ln>
+            <a:noFill/>
+          </a:ln>
+        </p:spPr>
+        <p:txBody>
+          <a:bodyPr wrap="square" rtlCol="0">
+            <a:spAutoFit/>
+          </a:bodyPr>
+          <a:lstStyle/>
+          <a:p>
+            <a:pPr algn="ctr"/>
+            <a:r>
+              <a:rPr lang="en-GB" dirty="0" err="1"/>
+              <a:t>Sensordaten</a:t>
+            </a:r>
+            <a:endParaRPr lang="en-GB" dirty="0"/>
           </a:p>
         </p:txBody>
       </p:sp>
       <p:cxnSp>
         <p:nvCxnSpPr>
-          <p:cNvPr id="24" name="Verbinder: gewinkelt 23">
-            <a:extLst>
-              <a:ext uri="{FF2B5EF4-FFF2-40B4-BE49-F238E27FC236}">
-                <a16:creationId xmlns:a16="http://schemas.microsoft.com/office/drawing/2014/main" id="{F4D557F2-2D64-54C7-BE25-C5CFC237775E}"/>
+          <p:cNvPr id="29" name="Gerader Verbinder 28">
+            <a:extLst>
+              <a:ext uri="{FF2B5EF4-FFF2-40B4-BE49-F238E27FC236}">
+                <a16:creationId xmlns:a16="http://schemas.microsoft.com/office/drawing/2014/main" id="{A6091F88-9496-C4DC-D49C-0894C61A1526}"/>
               </a:ext>
             </a:extLst>
           </p:cNvPr>
           <p:cNvCxnSpPr>
-            <a:cxnSpLocks/>
-            <a:stCxn id="8" idx="3"/>
-            <a:endCxn id="12" idx="2"/>
+            <a:stCxn id="4" idx="0"/>
+            <a:endCxn id="5" idx="2"/>
           </p:cNvCxnSpPr>
           <p:nvPr/>
         </p:nvCxnSpPr>
         <p:spPr>
           <a:xfrm flipV="1">
-            <a:off x="7152736" y="5975247"/>
-            <a:ext cx="1581510" cy="356527"/>
+            <a:off x="3711403" y="4989183"/>
+            <a:ext cx="0" cy="851619"/>
           </a:xfrm>
-          <a:prstGeom prst="bentConnector2">
+          <a:prstGeom prst="line">
             <a:avLst/>
           </a:prstGeom>
-          <a:ln w="57150">
-            <a:solidFill>
-              <a:schemeClr val="tx1"/>
-            </a:solidFill>
-            <a:tailEnd type="triangle"/>
-          </a:ln>
         </p:spPr>
         <p:style>
           <a:lnRef idx="1">
@@ -3666,34 +3944,27 @@
       </p:cxnSp>
       <p:cxnSp>
         <p:nvCxnSpPr>
-          <p:cNvPr id="29" name="Verbinder: gewinkelt 28">
-            <a:extLst>
-              <a:ext uri="{FF2B5EF4-FFF2-40B4-BE49-F238E27FC236}">
-                <a16:creationId xmlns:a16="http://schemas.microsoft.com/office/drawing/2014/main" id="{375C208D-C41E-E4F8-F542-9AE6F032FF98}"/>
+          <p:cNvPr id="31" name="Gerader Verbinder 30">
+            <a:extLst>
+              <a:ext uri="{FF2B5EF4-FFF2-40B4-BE49-F238E27FC236}">
+                <a16:creationId xmlns:a16="http://schemas.microsoft.com/office/drawing/2014/main" id="{B473AC42-18D1-705E-27B8-BB287134C477}"/>
               </a:ext>
             </a:extLst>
           </p:cNvPr>
           <p:cNvCxnSpPr>
-            <a:cxnSpLocks/>
-            <a:stCxn id="8" idx="1"/>
-            <a:endCxn id="11" idx="2"/>
+            <a:stCxn id="5" idx="0"/>
+            <a:endCxn id="6" idx="2"/>
           </p:cNvCxnSpPr>
           <p:nvPr/>
         </p:nvCxnSpPr>
         <p:spPr>
-          <a:xfrm rot="10800000">
-            <a:off x="3457754" y="5975248"/>
-            <a:ext cx="1581510" cy="356527"/>
+          <a:xfrm flipV="1">
+            <a:off x="3711403" y="3733265"/>
+            <a:ext cx="1" cy="652069"/>
           </a:xfrm>
-          <a:prstGeom prst="bentConnector2">
+          <a:prstGeom prst="line">
             <a:avLst/>
           </a:prstGeom>
-          <a:ln w="57150">
-            <a:solidFill>
-              <a:schemeClr val="tx1"/>
-            </a:solidFill>
-            <a:tailEnd type="triangle"/>
-          </a:ln>
         </p:spPr>
         <p:style>
           <a:lnRef idx="1">
@@ -3712,34 +3983,27 @@
       </p:cxnSp>
       <p:cxnSp>
         <p:nvCxnSpPr>
-          <p:cNvPr id="32" name="Verbinder: gewinkelt 31">
-            <a:extLst>
-              <a:ext uri="{FF2B5EF4-FFF2-40B4-BE49-F238E27FC236}">
-                <a16:creationId xmlns:a16="http://schemas.microsoft.com/office/drawing/2014/main" id="{71C11608-A512-C460-F6B6-50D23636D85E}"/>
+          <p:cNvPr id="33" name="Gerader Verbinder 32">
+            <a:extLst>
+              <a:ext uri="{FF2B5EF4-FFF2-40B4-BE49-F238E27FC236}">
+                <a16:creationId xmlns:a16="http://schemas.microsoft.com/office/drawing/2014/main" id="{EE62135E-F78A-ADB4-B583-44B6E123AD11}"/>
               </a:ext>
             </a:extLst>
           </p:cNvPr>
           <p:cNvCxnSpPr>
-            <a:cxnSpLocks/>
-            <a:stCxn id="12" idx="3"/>
-            <a:endCxn id="17" idx="2"/>
+            <a:stCxn id="17" idx="3"/>
+            <a:endCxn id="6" idx="1"/>
           </p:cNvCxnSpPr>
           <p:nvPr/>
         </p:nvCxnSpPr>
         <p:spPr>
-          <a:xfrm flipV="1">
-            <a:off x="9790982" y="4787859"/>
-            <a:ext cx="734918" cy="781947"/>
+          <a:xfrm>
+            <a:off x="2491374" y="3428999"/>
+            <a:ext cx="637746" cy="2342"/>
           </a:xfrm>
-          <a:prstGeom prst="bentConnector2">
+          <a:prstGeom prst="line">
             <a:avLst/>
           </a:prstGeom>
-          <a:ln w="57150">
-            <a:solidFill>
-              <a:schemeClr val="tx1"/>
-            </a:solidFill>
-            <a:tailEnd type="triangle"/>
-          </a:ln>
         </p:spPr>
         <p:style>
           <a:lnRef idx="1">
@@ -3758,36 +4022,27 @@
       </p:cxnSp>
       <p:cxnSp>
         <p:nvCxnSpPr>
-          <p:cNvPr id="39" name="Verbinder: gewinkelt 38">
-            <a:extLst>
-              <a:ext uri="{FF2B5EF4-FFF2-40B4-BE49-F238E27FC236}">
-                <a16:creationId xmlns:a16="http://schemas.microsoft.com/office/drawing/2014/main" id="{8CD7F193-3A60-B5E5-1CD6-69B0B3912EE1}"/>
+          <p:cNvPr id="35" name="Gerader Verbinder 34">
+            <a:extLst>
+              <a:ext uri="{FF2B5EF4-FFF2-40B4-BE49-F238E27FC236}">
+                <a16:creationId xmlns:a16="http://schemas.microsoft.com/office/drawing/2014/main" id="{E4C8A7BC-1EC0-FD1F-8564-78873FA7DB55}"/>
               </a:ext>
             </a:extLst>
           </p:cNvPr>
           <p:cNvCxnSpPr>
-            <a:cxnSpLocks/>
-            <a:stCxn id="11" idx="0"/>
-            <a:endCxn id="10" idx="2"/>
+            <a:stCxn id="20" idx="2"/>
+            <a:endCxn id="6" idx="0"/>
           </p:cNvCxnSpPr>
           <p:nvPr/>
         </p:nvCxnSpPr>
         <p:spPr>
-          <a:xfrm rot="16200000" flipV="1">
-            <a:off x="2621712" y="4328322"/>
-            <a:ext cx="465825" cy="1206260"/>
+          <a:xfrm>
+            <a:off x="3711402" y="2715514"/>
+            <a:ext cx="2" cy="413902"/>
           </a:xfrm>
-          <a:prstGeom prst="bentConnector3">
-            <a:avLst>
-              <a:gd name="adj1" fmla="val 37037"/>
-            </a:avLst>
+          <a:prstGeom prst="line">
+            <a:avLst/>
           </a:prstGeom>
-          <a:ln w="57150">
-            <a:solidFill>
-              <a:schemeClr val="tx1"/>
-            </a:solidFill>
-            <a:tailEnd type="triangle"/>
-          </a:ln>
         </p:spPr>
         <p:style>
           <a:lnRef idx="1">
@@ -3806,34 +4061,27 @@
       </p:cxnSp>
       <p:cxnSp>
         <p:nvCxnSpPr>
-          <p:cNvPr id="42" name="Verbinder: gewinkelt 41">
-            <a:extLst>
-              <a:ext uri="{FF2B5EF4-FFF2-40B4-BE49-F238E27FC236}">
-                <a16:creationId xmlns:a16="http://schemas.microsoft.com/office/drawing/2014/main" id="{88A480FE-FC0F-7665-8E62-FE21F9D7AE28}"/>
+          <p:cNvPr id="37" name="Gerader Verbinder 36">
+            <a:extLst>
+              <a:ext uri="{FF2B5EF4-FFF2-40B4-BE49-F238E27FC236}">
+                <a16:creationId xmlns:a16="http://schemas.microsoft.com/office/drawing/2014/main" id="{4D9C5AD8-E71B-99B4-A444-5C293B16A583}"/>
               </a:ext>
             </a:extLst>
           </p:cNvPr>
           <p:cNvCxnSpPr>
-            <a:cxnSpLocks/>
+            <a:stCxn id="6" idx="3"/>
+            <a:endCxn id="10" idx="1"/>
           </p:cNvCxnSpPr>
           <p:nvPr/>
         </p:nvCxnSpPr>
         <p:spPr>
-          <a:xfrm rot="5400000" flipH="1" flipV="1">
-            <a:off x="2062531" y="3698692"/>
-            <a:ext cx="365227" cy="12700"/>
+          <a:xfrm flipV="1">
+            <a:off x="4293687" y="3429000"/>
+            <a:ext cx="1220029" cy="2341"/>
           </a:xfrm>
-          <a:prstGeom prst="bentConnector3">
-            <a:avLst>
-              <a:gd name="adj1" fmla="val 68896"/>
-            </a:avLst>
+          <a:prstGeom prst="line">
+            <a:avLst/>
           </a:prstGeom>
-          <a:ln w="57150">
-            <a:solidFill>
-              <a:schemeClr val="tx1"/>
-            </a:solidFill>
-            <a:tailEnd type="triangle"/>
-          </a:ln>
         </p:spPr>
         <p:style>
           <a:lnRef idx="1">
@@ -3852,379 +4100,27 @@
       </p:cxnSp>
       <p:cxnSp>
         <p:nvCxnSpPr>
-          <p:cNvPr id="56" name="Verbinder: gewinkelt 55">
-            <a:extLst>
-              <a:ext uri="{FF2B5EF4-FFF2-40B4-BE49-F238E27FC236}">
-                <a16:creationId xmlns:a16="http://schemas.microsoft.com/office/drawing/2014/main" id="{6CCE10FF-C6F9-9C6B-5220-A5D92BE5E501}"/>
+          <p:cNvPr id="39" name="Gerader Verbinder 38">
+            <a:extLst>
+              <a:ext uri="{FF2B5EF4-FFF2-40B4-BE49-F238E27FC236}">
+                <a16:creationId xmlns:a16="http://schemas.microsoft.com/office/drawing/2014/main" id="{66698798-CD29-4932-9F72-94E1B37B2F47}"/>
               </a:ext>
             </a:extLst>
           </p:cNvPr>
           <p:cNvCxnSpPr>
             <a:cxnSpLocks/>
-            <a:stCxn id="70" idx="4"/>
-            <a:endCxn id="7" idx="0"/>
+            <a:stCxn id="10" idx="3"/>
           </p:cNvCxnSpPr>
           <p:nvPr/>
         </p:nvCxnSpPr>
         <p:spPr>
-          <a:xfrm rot="5400000">
-            <a:off x="1904368" y="2364419"/>
-            <a:ext cx="694254" cy="1"/>
+          <a:xfrm>
+            <a:off x="6678283" y="3429000"/>
+            <a:ext cx="1346436" cy="0"/>
           </a:xfrm>
-          <a:prstGeom prst="bentConnector3">
-            <a:avLst>
-              <a:gd name="adj1" fmla="val 50000"/>
-            </a:avLst>
-          </a:prstGeom>
-          <a:ln w="57150">
-            <a:solidFill>
-              <a:schemeClr val="tx1"/>
-            </a:solidFill>
-            <a:tailEnd type="triangle"/>
-          </a:ln>
-        </p:spPr>
-        <p:style>
-          <a:lnRef idx="1">
-            <a:schemeClr val="accent1"/>
-          </a:lnRef>
-          <a:fillRef idx="0">
-            <a:schemeClr val="accent1"/>
-          </a:fillRef>
-          <a:effectRef idx="0">
-            <a:schemeClr val="accent1"/>
-          </a:effectRef>
-          <a:fontRef idx="minor">
-            <a:schemeClr val="tx1"/>
-          </a:fontRef>
-        </p:style>
-      </p:cxnSp>
-      <p:sp>
-        <p:nvSpPr>
-          <p:cNvPr id="70" name="Ellipse 69">
-            <a:extLst>
-              <a:ext uri="{FF2B5EF4-FFF2-40B4-BE49-F238E27FC236}">
-                <a16:creationId xmlns:a16="http://schemas.microsoft.com/office/drawing/2014/main" id="{48A3CA13-0C88-FDCE-23A5-42C855DF40BF}"/>
-              </a:ext>
-            </a:extLst>
-          </p:cNvPr>
-          <p:cNvSpPr/>
-          <p:nvPr/>
-        </p:nvSpPr>
-        <p:spPr>
-          <a:xfrm>
-            <a:off x="944593" y="769304"/>
-            <a:ext cx="2613804" cy="1247988"/>
-          </a:xfrm>
-          <a:prstGeom prst="ellipse">
+          <a:prstGeom prst="line">
             <a:avLst/>
           </a:prstGeom>
-        </p:spPr>
-        <p:style>
-          <a:lnRef idx="2">
-            <a:schemeClr val="accent4">
-              <a:shade val="15000"/>
-            </a:schemeClr>
-          </a:lnRef>
-          <a:fillRef idx="1">
-            <a:schemeClr val="accent4"/>
-          </a:fillRef>
-          <a:effectRef idx="0">
-            <a:schemeClr val="accent4"/>
-          </a:effectRef>
-          <a:fontRef idx="minor">
-            <a:schemeClr val="lt1"/>
-          </a:fontRef>
-        </p:style>
-        <p:txBody>
-          <a:bodyPr rtlCol="0" anchor="ctr"/>
-          <a:lstStyle/>
-          <a:p>
-            <a:pPr algn="ctr"/>
-            <a:r>
-              <a:rPr lang="en-GB" dirty="0" err="1"/>
-              <a:t>Nutzerinteraktion</a:t>
-            </a:r>
-            <a:endParaRPr lang="en-GB" dirty="0"/>
-          </a:p>
-        </p:txBody>
-      </p:sp>
-      <p:cxnSp>
-        <p:nvCxnSpPr>
-          <p:cNvPr id="87" name="Verbinder: gewinkelt 86">
-            <a:extLst>
-              <a:ext uri="{FF2B5EF4-FFF2-40B4-BE49-F238E27FC236}">
-                <a16:creationId xmlns:a16="http://schemas.microsoft.com/office/drawing/2014/main" id="{0DBDF3F8-688B-AFAE-4121-7031F9A13ACE}"/>
-              </a:ext>
-            </a:extLst>
-          </p:cNvPr>
-          <p:cNvCxnSpPr>
-            <a:cxnSpLocks/>
-            <a:stCxn id="5" idx="1"/>
-            <a:endCxn id="7" idx="3"/>
-          </p:cNvCxnSpPr>
-          <p:nvPr/>
-        </p:nvCxnSpPr>
-        <p:spPr>
-          <a:xfrm rot="10800000">
-            <a:off x="3308230" y="3116988"/>
-            <a:ext cx="1724684" cy="12700"/>
-          </a:xfrm>
-          <a:prstGeom prst="bentConnector3">
-            <a:avLst>
-              <a:gd name="adj1" fmla="val 93015"/>
-            </a:avLst>
-          </a:prstGeom>
-          <a:ln w="57150">
-            <a:solidFill>
-              <a:schemeClr val="tx1"/>
-            </a:solidFill>
-            <a:tailEnd type="triangle"/>
-          </a:ln>
-        </p:spPr>
-        <p:style>
-          <a:lnRef idx="1">
-            <a:schemeClr val="accent1"/>
-          </a:lnRef>
-          <a:fillRef idx="0">
-            <a:schemeClr val="accent1"/>
-          </a:fillRef>
-          <a:effectRef idx="0">
-            <a:schemeClr val="accent1"/>
-          </a:effectRef>
-          <a:fontRef idx="minor">
-            <a:schemeClr val="tx1"/>
-          </a:fontRef>
-        </p:style>
-      </p:cxnSp>
-      <p:sp>
-        <p:nvSpPr>
-          <p:cNvPr id="9" name="Textfeld 8">
-            <a:extLst>
-              <a:ext uri="{FF2B5EF4-FFF2-40B4-BE49-F238E27FC236}">
-                <a16:creationId xmlns:a16="http://schemas.microsoft.com/office/drawing/2014/main" id="{567FF184-B0FB-9121-8D58-559CB778D7B5}"/>
-              </a:ext>
-            </a:extLst>
-          </p:cNvPr>
-          <p:cNvSpPr txBox="1"/>
-          <p:nvPr/>
-        </p:nvSpPr>
-        <p:spPr>
-          <a:xfrm>
-            <a:off x="176842" y="241586"/>
-            <a:ext cx="1134373" cy="369332"/>
-          </a:xfrm>
-          <a:prstGeom prst="rect">
-            <a:avLst/>
-          </a:prstGeom>
-          <a:noFill/>
-        </p:spPr>
-        <p:txBody>
-          <a:bodyPr wrap="square" rtlCol="0">
-            <a:spAutoFit/>
-          </a:bodyPr>
-          <a:lstStyle/>
-          <a:p>
-            <a:r>
-              <a:rPr lang="de-DE" dirty="0"/>
-              <a:t>Frontend</a:t>
-            </a:r>
-          </a:p>
-        </p:txBody>
-      </p:sp>
-      <p:sp>
-        <p:nvSpPr>
-          <p:cNvPr id="13" name="Textfeld 12">
-            <a:extLst>
-              <a:ext uri="{FF2B5EF4-FFF2-40B4-BE49-F238E27FC236}">
-                <a16:creationId xmlns:a16="http://schemas.microsoft.com/office/drawing/2014/main" id="{42DE6A3E-6C80-CDC1-0A94-8D33EC87AD07}"/>
-              </a:ext>
-            </a:extLst>
-          </p:cNvPr>
-          <p:cNvSpPr txBox="1"/>
-          <p:nvPr/>
-        </p:nvSpPr>
-        <p:spPr>
-          <a:xfrm>
-            <a:off x="10994845" y="241586"/>
-            <a:ext cx="1134373" cy="369332"/>
-          </a:xfrm>
-          <a:prstGeom prst="rect">
-            <a:avLst/>
-          </a:prstGeom>
-          <a:noFill/>
-        </p:spPr>
-        <p:txBody>
-          <a:bodyPr wrap="square" rtlCol="0">
-            <a:spAutoFit/>
-          </a:bodyPr>
-          <a:lstStyle/>
-          <a:p>
-            <a:r>
-              <a:rPr lang="de-DE" dirty="0"/>
-              <a:t>Backend</a:t>
-            </a:r>
-          </a:p>
-        </p:txBody>
-      </p:sp>
-      <p:sp>
-        <p:nvSpPr>
-          <p:cNvPr id="6" name="Rechteck: abgerundete Ecken 5">
-            <a:extLst>
-              <a:ext uri="{FF2B5EF4-FFF2-40B4-BE49-F238E27FC236}">
-                <a16:creationId xmlns:a16="http://schemas.microsoft.com/office/drawing/2014/main" id="{23EDB58A-EFDE-AADE-8FF0-29EE08E8B5B6}"/>
-              </a:ext>
-            </a:extLst>
-          </p:cNvPr>
-          <p:cNvSpPr/>
-          <p:nvPr/>
-        </p:nvSpPr>
-        <p:spPr>
-          <a:xfrm>
-            <a:off x="7720640" y="921013"/>
-            <a:ext cx="2113472" cy="810883"/>
-          </a:xfrm>
-          <a:prstGeom prst="roundRect">
-            <a:avLst/>
-          </a:prstGeom>
-        </p:spPr>
-        <p:style>
-          <a:lnRef idx="2">
-            <a:schemeClr val="accent1">
-              <a:shade val="15000"/>
-            </a:schemeClr>
-          </a:lnRef>
-          <a:fillRef idx="1">
-            <a:schemeClr val="accent1"/>
-          </a:fillRef>
-          <a:effectRef idx="0">
-            <a:schemeClr val="accent1"/>
-          </a:effectRef>
-          <a:fontRef idx="minor">
-            <a:schemeClr val="lt1"/>
-          </a:fontRef>
-        </p:style>
-        <p:txBody>
-          <a:bodyPr rtlCol="0" anchor="ctr"/>
-          <a:lstStyle/>
-          <a:p>
-            <a:pPr algn="ctr"/>
-            <a:r>
-              <a:rPr lang="en-GB" dirty="0" err="1"/>
-              <a:t>Sensordaten</a:t>
-            </a:r>
-            <a:r>
-              <a:rPr lang="en-GB" dirty="0"/>
-              <a:t> von </a:t>
-            </a:r>
-            <a:r>
-              <a:rPr lang="en-GB" b="1" dirty="0"/>
-              <a:t>Netatmo</a:t>
-            </a:r>
-          </a:p>
-        </p:txBody>
-      </p:sp>
-      <p:sp>
-        <p:nvSpPr>
-          <p:cNvPr id="15" name="Rechteck: abgerundete Ecken 14">
-            <a:extLst>
-              <a:ext uri="{FF2B5EF4-FFF2-40B4-BE49-F238E27FC236}">
-                <a16:creationId xmlns:a16="http://schemas.microsoft.com/office/drawing/2014/main" id="{2DDD7494-461E-B15D-BD62-0E061135F8EA}"/>
-              </a:ext>
-            </a:extLst>
-          </p:cNvPr>
-          <p:cNvSpPr/>
-          <p:nvPr/>
-        </p:nvSpPr>
-        <p:spPr>
-          <a:xfrm>
-            <a:off x="7720640" y="1746671"/>
-            <a:ext cx="2113472" cy="810883"/>
-          </a:xfrm>
-          <a:prstGeom prst="roundRect">
-            <a:avLst/>
-          </a:prstGeom>
-        </p:spPr>
-        <p:style>
-          <a:lnRef idx="2">
-            <a:schemeClr val="accent1">
-              <a:shade val="15000"/>
-            </a:schemeClr>
-          </a:lnRef>
-          <a:fillRef idx="1">
-            <a:schemeClr val="accent1"/>
-          </a:fillRef>
-          <a:effectRef idx="0">
-            <a:schemeClr val="accent1"/>
-          </a:effectRef>
-          <a:fontRef idx="minor">
-            <a:schemeClr val="lt1"/>
-          </a:fontRef>
-        </p:style>
-        <p:txBody>
-          <a:bodyPr rtlCol="0" anchor="ctr"/>
-          <a:lstStyle/>
-          <a:p>
-            <a:pPr algn="ctr"/>
-            <a:r>
-              <a:rPr lang="en-GB" dirty="0" err="1"/>
-              <a:t>Kuratierte</a:t>
-            </a:r>
-            <a:r>
-              <a:rPr lang="en-GB" dirty="0"/>
-              <a:t> </a:t>
-            </a:r>
-            <a:r>
-              <a:rPr lang="en-GB" dirty="0" err="1"/>
-              <a:t>Daten</a:t>
-            </a:r>
-            <a:r>
-              <a:rPr lang="en-GB" dirty="0"/>
-              <a:t> </a:t>
-            </a:r>
-            <a:r>
-              <a:rPr lang="en-GB" dirty="0" err="1"/>
-              <a:t>durch</a:t>
-            </a:r>
-            <a:r>
-              <a:rPr lang="en-GB" dirty="0"/>
-              <a:t> User</a:t>
-            </a:r>
-            <a:endParaRPr lang="en-GB" b="1" dirty="0"/>
-          </a:p>
-        </p:txBody>
-      </p:sp>
-      <p:cxnSp>
-        <p:nvCxnSpPr>
-          <p:cNvPr id="21" name="Verbinder: gewinkelt 20">
-            <a:extLst>
-              <a:ext uri="{FF2B5EF4-FFF2-40B4-BE49-F238E27FC236}">
-                <a16:creationId xmlns:a16="http://schemas.microsoft.com/office/drawing/2014/main" id="{94E8FD85-0AA2-4492-E74E-1B487A597CD4}"/>
-              </a:ext>
-            </a:extLst>
-          </p:cNvPr>
-          <p:cNvCxnSpPr>
-            <a:cxnSpLocks/>
-            <a:stCxn id="15" idx="2"/>
-            <a:endCxn id="16" idx="0"/>
-          </p:cNvCxnSpPr>
-          <p:nvPr/>
-        </p:nvCxnSpPr>
-        <p:spPr>
-          <a:xfrm rot="16200000" flipH="1">
-            <a:off x="9436689" y="1898240"/>
-            <a:ext cx="429899" cy="1748525"/>
-          </a:xfrm>
-          <a:prstGeom prst="bentConnector3">
-            <a:avLst>
-              <a:gd name="adj1" fmla="val 29934"/>
-            </a:avLst>
-          </a:prstGeom>
-          <a:ln w="57150">
-            <a:solidFill>
-              <a:schemeClr val="tx1"/>
-            </a:solidFill>
-            <a:tailEnd type="triangle"/>
-          </a:ln>
         </p:spPr>
         <p:style>
           <a:lnRef idx="1">
@@ -4243,36 +4139,27 @@
       </p:cxnSp>
       <p:cxnSp>
         <p:nvCxnSpPr>
-          <p:cNvPr id="27" name="Verbinder: gewinkelt 26">
-            <a:extLst>
-              <a:ext uri="{FF2B5EF4-FFF2-40B4-BE49-F238E27FC236}">
-                <a16:creationId xmlns:a16="http://schemas.microsoft.com/office/drawing/2014/main" id="{F3D79977-3E39-FE3F-69C3-043DEAE5B1BA}"/>
+          <p:cNvPr id="42" name="Gerader Verbinder 41">
+            <a:extLst>
+              <a:ext uri="{FF2B5EF4-FFF2-40B4-BE49-F238E27FC236}">
+                <a16:creationId xmlns:a16="http://schemas.microsoft.com/office/drawing/2014/main" id="{BEE7C348-34BB-1055-783E-5247CE880CD7}"/>
               </a:ext>
             </a:extLst>
           </p:cNvPr>
           <p:cNvCxnSpPr>
-            <a:cxnSpLocks/>
-            <a:stCxn id="20" idx="2"/>
-            <a:endCxn id="16" idx="0"/>
+            <a:stCxn id="24" idx="2"/>
+            <a:endCxn id="10" idx="0"/>
           </p:cNvCxnSpPr>
           <p:nvPr/>
         </p:nvCxnSpPr>
         <p:spPr>
-          <a:xfrm rot="5400000">
-            <a:off x="10497228" y="2586226"/>
-            <a:ext cx="429900" cy="372554"/>
+          <a:xfrm>
+            <a:off x="6095999" y="2715514"/>
+            <a:ext cx="1" cy="411561"/>
           </a:xfrm>
-          <a:prstGeom prst="bentConnector3">
-            <a:avLst>
-              <a:gd name="adj1" fmla="val 31940"/>
-            </a:avLst>
+          <a:prstGeom prst="line">
+            <a:avLst/>
           </a:prstGeom>
-          <a:ln w="57150">
-            <a:solidFill>
-              <a:schemeClr val="tx1"/>
-            </a:solidFill>
-            <a:tailEnd type="triangle"/>
-          </a:ln>
         </p:spPr>
         <p:style>
           <a:lnRef idx="1">
@@ -4291,148 +4178,26 @@
       </p:cxnSp>
       <p:cxnSp>
         <p:nvCxnSpPr>
-          <p:cNvPr id="33" name="Verbinder: gewinkelt 32">
-            <a:extLst>
-              <a:ext uri="{FF2B5EF4-FFF2-40B4-BE49-F238E27FC236}">
-                <a16:creationId xmlns:a16="http://schemas.microsoft.com/office/drawing/2014/main" id="{B75B075E-4C18-5223-D8DB-780025258B2C}"/>
+          <p:cNvPr id="44" name="Gerader Verbinder 43">
+            <a:extLst>
+              <a:ext uri="{FF2B5EF4-FFF2-40B4-BE49-F238E27FC236}">
+                <a16:creationId xmlns:a16="http://schemas.microsoft.com/office/drawing/2014/main" id="{2AE27C5D-777C-82E2-A454-A82414F4A1D8}"/>
               </a:ext>
             </a:extLst>
           </p:cNvPr>
           <p:cNvCxnSpPr>
-            <a:cxnSpLocks/>
-            <a:endCxn id="4" idx="3"/>
+            <a:endCxn id="27" idx="2"/>
           </p:cNvCxnSpPr>
           <p:nvPr/>
         </p:nvCxnSpPr>
         <p:spPr>
-          <a:xfrm rot="10800000" flipV="1">
-            <a:off x="7152736" y="3798335"/>
-            <a:ext cx="2800470" cy="727676"/>
+          <a:xfrm flipV="1">
+            <a:off x="8648661" y="2710493"/>
+            <a:ext cx="1" cy="126678"/>
           </a:xfrm>
-          <a:prstGeom prst="bentConnector3">
-            <a:avLst>
-              <a:gd name="adj1" fmla="val 50000"/>
-            </a:avLst>
-          </a:prstGeom>
-          <a:ln w="57150">
-            <a:solidFill>
-              <a:schemeClr val="tx1"/>
-            </a:solidFill>
-            <a:tailEnd type="triangle"/>
-          </a:ln>
-        </p:spPr>
-        <p:style>
-          <a:lnRef idx="1">
-            <a:schemeClr val="accent1"/>
-          </a:lnRef>
-          <a:fillRef idx="0">
-            <a:schemeClr val="accent1"/>
-          </a:fillRef>
-          <a:effectRef idx="0">
-            <a:schemeClr val="accent1"/>
-          </a:effectRef>
-          <a:fontRef idx="minor">
-            <a:schemeClr val="tx1"/>
-          </a:fontRef>
-        </p:style>
-      </p:cxnSp>
-      <p:sp>
-        <p:nvSpPr>
-          <p:cNvPr id="4" name="Rechteck: abgerundete Ecken 3">
-            <a:extLst>
-              <a:ext uri="{FF2B5EF4-FFF2-40B4-BE49-F238E27FC236}">
-                <a16:creationId xmlns:a16="http://schemas.microsoft.com/office/drawing/2014/main" id="{53C994D9-5E71-AA4D-3AD2-315B75BED683}"/>
-              </a:ext>
-            </a:extLst>
-          </p:cNvPr>
-          <p:cNvSpPr/>
-          <p:nvPr/>
-        </p:nvSpPr>
-        <p:spPr>
-          <a:xfrm>
-            <a:off x="5039264" y="4120569"/>
-            <a:ext cx="2113472" cy="810883"/>
-          </a:xfrm>
-          <a:prstGeom prst="roundRect">
+          <a:prstGeom prst="line">
             <a:avLst/>
           </a:prstGeom>
-        </p:spPr>
-        <p:style>
-          <a:lnRef idx="2">
-            <a:schemeClr val="accent6">
-              <a:shade val="15000"/>
-            </a:schemeClr>
-          </a:lnRef>
-          <a:fillRef idx="1">
-            <a:schemeClr val="accent6"/>
-          </a:fillRef>
-          <a:effectRef idx="0">
-            <a:schemeClr val="accent6"/>
-          </a:effectRef>
-          <a:fontRef idx="minor">
-            <a:schemeClr val="lt1"/>
-          </a:fontRef>
-        </p:style>
-        <p:txBody>
-          <a:bodyPr rtlCol="0" anchor="ctr"/>
-          <a:lstStyle/>
-          <a:p>
-            <a:pPr algn="ctr"/>
-            <a:r>
-              <a:rPr lang="en-GB" dirty="0" err="1"/>
-              <a:t>Graphen</a:t>
-            </a:r>
-            <a:r>
-              <a:rPr lang="en-GB" dirty="0"/>
-              <a:t> </a:t>
-            </a:r>
-            <a:r>
-              <a:rPr lang="en-GB" dirty="0" err="1"/>
-              <a:t>mit</a:t>
-            </a:r>
-            <a:r>
-              <a:rPr lang="en-GB" dirty="0"/>
-              <a:t> </a:t>
-            </a:r>
-            <a:r>
-              <a:rPr lang="en-GB" b="1" dirty="0" err="1"/>
-              <a:t>Graphana</a:t>
-            </a:r>
-            <a:endParaRPr lang="en-GB" b="1" dirty="0"/>
-          </a:p>
-        </p:txBody>
-      </p:sp>
-      <p:cxnSp>
-        <p:nvCxnSpPr>
-          <p:cNvPr id="31" name="Verbinder: gewinkelt 30">
-            <a:extLst>
-              <a:ext uri="{FF2B5EF4-FFF2-40B4-BE49-F238E27FC236}">
-                <a16:creationId xmlns:a16="http://schemas.microsoft.com/office/drawing/2014/main" id="{7A4D2D00-1DB9-A918-82A2-7C33A71159A1}"/>
-              </a:ext>
-            </a:extLst>
-          </p:cNvPr>
-          <p:cNvCxnSpPr>
-            <a:cxnSpLocks/>
-            <a:stCxn id="4" idx="1"/>
-          </p:cNvCxnSpPr>
-          <p:nvPr/>
-        </p:nvCxnSpPr>
-        <p:spPr>
-          <a:xfrm rot="10800000">
-            <a:off x="3315842" y="3129689"/>
-            <a:ext cx="1723423" cy="1396322"/>
-          </a:xfrm>
-          <a:prstGeom prst="bentConnector3">
-            <a:avLst>
-              <a:gd name="adj1" fmla="val 50000"/>
-            </a:avLst>
-          </a:prstGeom>
-          <a:ln w="57150">
-            <a:solidFill>
-              <a:schemeClr val="tx1"/>
-            </a:solidFill>
-            <a:tailEnd type="triangle"/>
-          </a:ln>
         </p:spPr>
         <p:style>
           <a:lnRef idx="1">
@@ -4452,7 +4217,7 @@
     </p:spTree>
     <p:extLst>
       <p:ext uri="{BB962C8B-B14F-4D97-AF65-F5344CB8AC3E}">
-        <p14:creationId xmlns:p14="http://schemas.microsoft.com/office/powerpoint/2010/main" val="2314157785"/>
+        <p14:creationId xmlns:p14="http://schemas.microsoft.com/office/powerpoint/2010/main" val="2929564002"/>
       </p:ext>
     </p:extLst>
   </p:cSld>
@@ -4538,6 +4303,23 @@
         <a:font script="Viet" typeface="Times New Roman"/>
         <a:font script="Uigh" typeface="Microsoft Uighur"/>
         <a:font script="Geor" typeface="Sylfaen"/>
+        <a:font script="Armn" typeface="Arial"/>
+        <a:font script="Bugi" typeface="Leelawadee UI"/>
+        <a:font script="Bopo" typeface="Microsoft JhengHei"/>
+        <a:font script="Java" typeface="Javanese Text"/>
+        <a:font script="Lisu" typeface="Segoe UI"/>
+        <a:font script="Mymr" typeface="Myanmar Text"/>
+        <a:font script="Nkoo" typeface="Ebrima"/>
+        <a:font script="Olck" typeface="Nirmala UI"/>
+        <a:font script="Osma" typeface="Ebrima"/>
+        <a:font script="Phag" typeface="Phagspa"/>
+        <a:font script="Syrn" typeface="Estrangelo Edessa"/>
+        <a:font script="Syrj" typeface="Estrangelo Edessa"/>
+        <a:font script="Syre" typeface="Estrangelo Edessa"/>
+        <a:font script="Sora" typeface="Nirmala UI"/>
+        <a:font script="Tale" typeface="Microsoft Tai Le"/>
+        <a:font script="Talu" typeface="Microsoft New Tai Lue"/>
+        <a:font script="Tfng" typeface="Ebrima"/>
       </a:majorFont>
       <a:minorFont>
         <a:latin typeface="Calibri" panose="020F0502020204030204"/>
@@ -4573,6 +4355,23 @@
         <a:font script="Viet" typeface="Arial"/>
         <a:font script="Uigh" typeface="Microsoft Uighur"/>
         <a:font script="Geor" typeface="Sylfaen"/>
+        <a:font script="Armn" typeface="Arial"/>
+        <a:font script="Bugi" typeface="Leelawadee UI"/>
+        <a:font script="Bopo" typeface="Microsoft JhengHei"/>
+        <a:font script="Java" typeface="Javanese Text"/>
+        <a:font script="Lisu" typeface="Segoe UI"/>
+        <a:font script="Mymr" typeface="Myanmar Text"/>
+        <a:font script="Nkoo" typeface="Ebrima"/>
+        <a:font script="Olck" typeface="Nirmala UI"/>
+        <a:font script="Osma" typeface="Ebrima"/>
+        <a:font script="Phag" typeface="Phagspa"/>
+        <a:font script="Syrn" typeface="Estrangelo Edessa"/>
+        <a:font script="Syrj" typeface="Estrangelo Edessa"/>
+        <a:font script="Syre" typeface="Estrangelo Edessa"/>
+        <a:font script="Sora" typeface="Nirmala UI"/>
+        <a:font script="Tale" typeface="Microsoft Tai Le"/>
+        <a:font script="Talu" typeface="Microsoft New Tai Lue"/>
+        <a:font script="Tfng" typeface="Ebrima"/>
       </a:minorFont>
     </a:fontScheme>
     <a:fmtScheme name="Office">
@@ -4717,7 +4516,7 @@
   <a:extraClrSchemeLst/>
   <a:extLst>
     <a:ext uri="{05A4C25C-085E-4340-85A3-A5531E510DB2}">
-      <thm15:themeFamily xmlns:thm15="http://schemas.microsoft.com/office/thememl/2012/main" name="Office 2013 - 2022 Theme" id="{62F939B6-93AF-4DB8-9C6B-D6C7DFDC589F}" vid="{4A3C46E8-61CC-4603-A589-7422A47A8E4A}"/>
+      <thm15:themeFamily xmlns:thm15="http://schemas.microsoft.com/office/thememl/2012/main" name="Office Theme" id="{62F939B6-93AF-4DB8-9C6B-D6C7DFDC589F}" vid="{4A3C46E8-61CC-4603-A589-7422A47A8E4A}"/>
     </a:ext>
   </a:extLst>
 </a:theme>
